--- a/presentation.pptx
+++ b/presentation.pptx
@@ -6,6 +6,8 @@
   </p:sldMasterIdLst>
   <p:sldIdLst>
     <p:sldId id="256" r:id="rId2"/>
+    <p:sldId id="257" r:id="rId3"/>
+    <p:sldId id="258" r:id="rId4"/>
   </p:sldIdLst>
   <p:sldSz cx="12192000" cy="6858000"/>
   <p:notesSz cx="6858000" cy="9144000"/>
@@ -104,6 +106,11 @@
       </a:defRPr>
     </a:lvl9pPr>
   </p:defaultTextStyle>
+  <p:extLst>
+    <p:ext uri="{EFAFB233-063F-42B5-8137-9DF3F51BA10A}">
+      <p15:sldGuideLst xmlns:p15="http://schemas.microsoft.com/office/powerpoint/2012/main"/>
+    </p:ext>
+  </p:extLst>
 </p:presentation>
 </file>
 
@@ -254,7 +261,7 @@
           <a:p>
             <a:fld id="{FBF19EC1-EEB1-4B52-AED4-741EAE566EA2}" type="datetimeFigureOut">
               <a:rPr lang="en-US" smtClean="0"/>
-              <a:t>4/28/2023</a:t>
+              <a:t>5/1/2023</a:t>
             </a:fld>
             <a:endParaRPr lang="en-US"/>
           </a:p>
@@ -452,7 +459,7 @@
           <a:p>
             <a:fld id="{FBF19EC1-EEB1-4B52-AED4-741EAE566EA2}" type="datetimeFigureOut">
               <a:rPr lang="en-US" smtClean="0"/>
-              <a:t>4/28/2023</a:t>
+              <a:t>5/1/2023</a:t>
             </a:fld>
             <a:endParaRPr lang="en-US"/>
           </a:p>
@@ -660,7 +667,7 @@
           <a:p>
             <a:fld id="{FBF19EC1-EEB1-4B52-AED4-741EAE566EA2}" type="datetimeFigureOut">
               <a:rPr lang="en-US" smtClean="0"/>
-              <a:t>4/28/2023</a:t>
+              <a:t>5/1/2023</a:t>
             </a:fld>
             <a:endParaRPr lang="en-US"/>
           </a:p>
@@ -858,7 +865,7 @@
           <a:p>
             <a:fld id="{FBF19EC1-EEB1-4B52-AED4-741EAE566EA2}" type="datetimeFigureOut">
               <a:rPr lang="en-US" smtClean="0"/>
-              <a:t>4/28/2023</a:t>
+              <a:t>5/1/2023</a:t>
             </a:fld>
             <a:endParaRPr lang="en-US"/>
           </a:p>
@@ -1133,7 +1140,7 @@
           <a:p>
             <a:fld id="{FBF19EC1-EEB1-4B52-AED4-741EAE566EA2}" type="datetimeFigureOut">
               <a:rPr lang="en-US" smtClean="0"/>
-              <a:t>4/28/2023</a:t>
+              <a:t>5/1/2023</a:t>
             </a:fld>
             <a:endParaRPr lang="en-US"/>
           </a:p>
@@ -1398,7 +1405,7 @@
           <a:p>
             <a:fld id="{FBF19EC1-EEB1-4B52-AED4-741EAE566EA2}" type="datetimeFigureOut">
               <a:rPr lang="en-US" smtClean="0"/>
-              <a:t>4/28/2023</a:t>
+              <a:t>5/1/2023</a:t>
             </a:fld>
             <a:endParaRPr lang="en-US"/>
           </a:p>
@@ -1810,7 +1817,7 @@
           <a:p>
             <a:fld id="{FBF19EC1-EEB1-4B52-AED4-741EAE566EA2}" type="datetimeFigureOut">
               <a:rPr lang="en-US" smtClean="0"/>
-              <a:t>4/28/2023</a:t>
+              <a:t>5/1/2023</a:t>
             </a:fld>
             <a:endParaRPr lang="en-US"/>
           </a:p>
@@ -1951,7 +1958,7 @@
           <a:p>
             <a:fld id="{FBF19EC1-EEB1-4B52-AED4-741EAE566EA2}" type="datetimeFigureOut">
               <a:rPr lang="en-US" smtClean="0"/>
-              <a:t>4/28/2023</a:t>
+              <a:t>5/1/2023</a:t>
             </a:fld>
             <a:endParaRPr lang="en-US"/>
           </a:p>
@@ -2064,7 +2071,7 @@
           <a:p>
             <a:fld id="{FBF19EC1-EEB1-4B52-AED4-741EAE566EA2}" type="datetimeFigureOut">
               <a:rPr lang="en-US" smtClean="0"/>
-              <a:t>4/28/2023</a:t>
+              <a:t>5/1/2023</a:t>
             </a:fld>
             <a:endParaRPr lang="en-US"/>
           </a:p>
@@ -2375,7 +2382,7 @@
           <a:p>
             <a:fld id="{FBF19EC1-EEB1-4B52-AED4-741EAE566EA2}" type="datetimeFigureOut">
               <a:rPr lang="en-US" smtClean="0"/>
-              <a:t>4/28/2023</a:t>
+              <a:t>5/1/2023</a:t>
             </a:fld>
             <a:endParaRPr lang="en-US"/>
           </a:p>
@@ -2663,7 +2670,7 @@
           <a:p>
             <a:fld id="{FBF19EC1-EEB1-4B52-AED4-741EAE566EA2}" type="datetimeFigureOut">
               <a:rPr lang="en-US" smtClean="0"/>
-              <a:t>4/28/2023</a:t>
+              <a:t>5/1/2023</a:t>
             </a:fld>
             <a:endParaRPr lang="en-US"/>
           </a:p>
@@ -2904,7 +2911,7 @@
           <a:p>
             <a:fld id="{FBF19EC1-EEB1-4B52-AED4-741EAE566EA2}" type="datetimeFigureOut">
               <a:rPr lang="en-US" smtClean="0"/>
-              <a:t>4/28/2023</a:t>
+              <a:t>5/1/2023</a:t>
             </a:fld>
             <a:endParaRPr lang="en-US"/>
           </a:p>
@@ -3689,6 +3696,82 @@
           </a:p>
         </p:txBody>
       </p:sp>
+      <p:sp>
+        <p:nvSpPr>
+          <p:cNvPr id="2" name="TextBox 1">
+            <a:extLst>
+              <a:ext uri="{FF2B5EF4-FFF2-40B4-BE49-F238E27FC236}">
+                <a16:creationId xmlns:a16="http://schemas.microsoft.com/office/drawing/2014/main" id="{A1D2889B-36ED-8C6C-8A2C-FF632A190F7B}"/>
+              </a:ext>
+            </a:extLst>
+          </p:cNvPr>
+          <p:cNvSpPr txBox="1"/>
+          <p:nvPr/>
+        </p:nvSpPr>
+        <p:spPr>
+          <a:xfrm>
+            <a:off x="3136669" y="875674"/>
+            <a:ext cx="5918662" cy="1754326"/>
+          </a:xfrm>
+          <a:prstGeom prst="rect">
+            <a:avLst/>
+          </a:prstGeom>
+          <a:noFill/>
+        </p:spPr>
+        <p:txBody>
+          <a:bodyPr wrap="square" rtlCol="0">
+            <a:spAutoFit/>
+          </a:bodyPr>
+          <a:lstStyle/>
+          <a:p>
+            <a:pPr algn="ctr"/>
+            <a:r>
+              <a:rPr lang="en-US" sz="3600" dirty="0">
+                <a:latin typeface="Berlin Sans FB" panose="020E0602020502020306" pitchFamily="34" charset="0"/>
+              </a:rPr>
+              <a:t>Anti-LGBTQ Legislation: predicting their consequences with hate crimes</a:t>
+            </a:r>
+          </a:p>
+        </p:txBody>
+      </p:sp>
+      <p:sp>
+        <p:nvSpPr>
+          <p:cNvPr id="3" name="TextBox 2">
+            <a:extLst>
+              <a:ext uri="{FF2B5EF4-FFF2-40B4-BE49-F238E27FC236}">
+                <a16:creationId xmlns:a16="http://schemas.microsoft.com/office/drawing/2014/main" id="{5A0C9B6F-0422-DDE7-E964-DE112E1A930B}"/>
+              </a:ext>
+            </a:extLst>
+          </p:cNvPr>
+          <p:cNvSpPr txBox="1"/>
+          <p:nvPr/>
+        </p:nvSpPr>
+        <p:spPr>
+          <a:xfrm>
+            <a:off x="-1290039" y="6294805"/>
+            <a:ext cx="5517388" cy="646331"/>
+          </a:xfrm>
+          <a:prstGeom prst="rect">
+            <a:avLst/>
+          </a:prstGeom>
+          <a:noFill/>
+        </p:spPr>
+        <p:txBody>
+          <a:bodyPr wrap="square" rtlCol="0">
+            <a:spAutoFit/>
+          </a:bodyPr>
+          <a:lstStyle/>
+          <a:p>
+            <a:pPr algn="ctr"/>
+            <a:r>
+              <a:rPr lang="en-US" sz="3600" dirty="0">
+                <a:latin typeface="Harlow Solid Italic" panose="04030604020F02020D02" pitchFamily="82" charset="0"/>
+              </a:rPr>
+              <a:t>Kelvin Nguyen </a:t>
+            </a:r>
+          </a:p>
+        </p:txBody>
+      </p:sp>
     </p:spTree>
     <p:extLst>
       <p:ext uri="{BB962C8B-B14F-4D97-AF65-F5344CB8AC3E}">
@@ -3698,6 +3781,337 @@
   </p:cSld>
   <p:clrMapOvr>
     <a:overrideClrMapping bg1="dk1" tx1="lt1" bg2="dk2" tx2="lt2" accent1="accent1" accent2="accent2" accent3="accent3" accent4="accent4" accent5="accent5" accent6="accent6" hlink="hlink" folHlink="folHlink"/>
+  </p:clrMapOvr>
+</p:sld>
+</file>
+
+<file path=ppt/slides/slide2.xml><?xml version="1.0" encoding="utf-8"?>
+<p:sld xmlns:a="http://schemas.openxmlformats.org/drawingml/2006/main" xmlns:r="http://schemas.openxmlformats.org/officeDocument/2006/relationships" xmlns:p="http://schemas.openxmlformats.org/presentationml/2006/main">
+  <p:cSld>
+    <p:spTree>
+      <p:nvGrpSpPr>
+        <p:cNvPr id="1" name=""/>
+        <p:cNvGrpSpPr/>
+        <p:nvPr/>
+      </p:nvGrpSpPr>
+      <p:grpSpPr>
+        <a:xfrm>
+          <a:off x="0" y="0"/>
+          <a:ext cx="0" cy="0"/>
+          <a:chOff x="0" y="0"/>
+          <a:chExt cx="0" cy="0"/>
+        </a:xfrm>
+      </p:grpSpPr>
+      <p:sp>
+        <p:nvSpPr>
+          <p:cNvPr id="5" name="Rectangle 4">
+            <a:extLst>
+              <a:ext uri="{FF2B5EF4-FFF2-40B4-BE49-F238E27FC236}">
+                <a16:creationId xmlns:a16="http://schemas.microsoft.com/office/drawing/2014/main" id="{771DA35D-BC44-C942-F2D8-3C064EF717DA}"/>
+              </a:ext>
+            </a:extLst>
+          </p:cNvPr>
+          <p:cNvSpPr/>
+          <p:nvPr/>
+        </p:nvSpPr>
+        <p:spPr>
+          <a:xfrm>
+            <a:off x="0" y="0"/>
+            <a:ext cx="12192000" cy="6858000"/>
+          </a:xfrm>
+          <a:prstGeom prst="rect">
+            <a:avLst/>
+          </a:prstGeom>
+          <a:solidFill>
+            <a:schemeClr val="tx1">
+              <a:alpha val="80000"/>
+            </a:schemeClr>
+          </a:solidFill>
+          <a:ln>
+            <a:noFill/>
+          </a:ln>
+        </p:spPr>
+        <p:style>
+          <a:lnRef idx="2">
+            <a:schemeClr val="accent1">
+              <a:shade val="50000"/>
+            </a:schemeClr>
+          </a:lnRef>
+          <a:fillRef idx="1">
+            <a:schemeClr val="accent1"/>
+          </a:fillRef>
+          <a:effectRef idx="0">
+            <a:schemeClr val="accent1"/>
+          </a:effectRef>
+          <a:fontRef idx="minor">
+            <a:schemeClr val="lt1"/>
+          </a:fontRef>
+        </p:style>
+        <p:txBody>
+          <a:bodyPr rtlCol="0" anchor="ctr"/>
+          <a:lstStyle/>
+          <a:p>
+            <a:pPr algn="ctr"/>
+            <a:endParaRPr lang="en-US" dirty="0"/>
+          </a:p>
+        </p:txBody>
+      </p:sp>
+    </p:spTree>
+    <p:extLst>
+      <p:ext uri="{BB962C8B-B14F-4D97-AF65-F5344CB8AC3E}">
+        <p14:creationId xmlns:p14="http://schemas.microsoft.com/office/powerpoint/2010/main" val="1449924063"/>
+      </p:ext>
+    </p:extLst>
+  </p:cSld>
+  <p:clrMapOvr>
+    <a:masterClrMapping/>
+  </p:clrMapOvr>
+</p:sld>
+</file>
+
+<file path=ppt/slides/slide3.xml><?xml version="1.0" encoding="utf-8"?>
+<p:sld xmlns:a="http://schemas.openxmlformats.org/drawingml/2006/main" xmlns:r="http://schemas.openxmlformats.org/officeDocument/2006/relationships" xmlns:p="http://schemas.openxmlformats.org/presentationml/2006/main">
+  <p:cSld>
+    <p:spTree>
+      <p:nvGrpSpPr>
+        <p:cNvPr id="1" name=""/>
+        <p:cNvGrpSpPr/>
+        <p:nvPr/>
+      </p:nvGrpSpPr>
+      <p:grpSpPr>
+        <a:xfrm>
+          <a:off x="0" y="0"/>
+          <a:ext cx="0" cy="0"/>
+          <a:chOff x="0" y="0"/>
+          <a:chExt cx="0" cy="0"/>
+        </a:xfrm>
+      </p:grpSpPr>
+      <p:sp>
+        <p:nvSpPr>
+          <p:cNvPr id="4" name="Rectangle 3">
+            <a:extLst>
+              <a:ext uri="{FF2B5EF4-FFF2-40B4-BE49-F238E27FC236}">
+                <a16:creationId xmlns:a16="http://schemas.microsoft.com/office/drawing/2014/main" id="{67504FBA-2B5B-0350-6255-63B40B991171}"/>
+              </a:ext>
+            </a:extLst>
+          </p:cNvPr>
+          <p:cNvSpPr/>
+          <p:nvPr/>
+        </p:nvSpPr>
+        <p:spPr>
+          <a:xfrm>
+            <a:off x="0" y="0"/>
+            <a:ext cx="12192000" cy="6858000"/>
+          </a:xfrm>
+          <a:prstGeom prst="rect">
+            <a:avLst/>
+          </a:prstGeom>
+          <a:solidFill>
+            <a:schemeClr val="tx1">
+              <a:alpha val="80000"/>
+            </a:schemeClr>
+          </a:solidFill>
+          <a:ln>
+            <a:noFill/>
+          </a:ln>
+        </p:spPr>
+        <p:style>
+          <a:lnRef idx="2">
+            <a:schemeClr val="accent1">
+              <a:shade val="50000"/>
+            </a:schemeClr>
+          </a:lnRef>
+          <a:fillRef idx="1">
+            <a:schemeClr val="accent1"/>
+          </a:fillRef>
+          <a:effectRef idx="0">
+            <a:schemeClr val="accent1"/>
+          </a:effectRef>
+          <a:fontRef idx="minor">
+            <a:schemeClr val="lt1"/>
+          </a:fontRef>
+        </p:style>
+        <p:txBody>
+          <a:bodyPr rtlCol="0" anchor="ctr"/>
+          <a:lstStyle/>
+          <a:p>
+            <a:pPr algn="ctr"/>
+            <a:endParaRPr lang="en-US" dirty="0"/>
+          </a:p>
+        </p:txBody>
+      </p:sp>
+      <p:sp>
+        <p:nvSpPr>
+          <p:cNvPr id="2" name="Title 1">
+            <a:extLst>
+              <a:ext uri="{FF2B5EF4-FFF2-40B4-BE49-F238E27FC236}">
+                <a16:creationId xmlns:a16="http://schemas.microsoft.com/office/drawing/2014/main" id="{8EADABEA-7C28-71BD-1075-75C272494165}"/>
+              </a:ext>
+            </a:extLst>
+          </p:cNvPr>
+          <p:cNvSpPr>
+            <a:spLocks noGrp="1"/>
+          </p:cNvSpPr>
+          <p:nvPr>
+            <p:ph type="title"/>
+          </p:nvPr>
+        </p:nvSpPr>
+        <p:spPr/>
+        <p:txBody>
+          <a:bodyPr/>
+          <a:lstStyle/>
+          <a:p>
+            <a:r>
+              <a:rPr lang="en-US" dirty="0">
+                <a:solidFill>
+                  <a:srgbClr val="C691E3"/>
+                </a:solidFill>
+                <a:latin typeface="Harlow Solid Italic" panose="04030604020F02020D02" pitchFamily="82" charset="0"/>
+              </a:rPr>
+              <a:t>How this works: </a:t>
+            </a:r>
+          </a:p>
+        </p:txBody>
+      </p:sp>
+      <p:sp>
+        <p:nvSpPr>
+          <p:cNvPr id="3" name="Content Placeholder 2">
+            <a:extLst>
+              <a:ext uri="{FF2B5EF4-FFF2-40B4-BE49-F238E27FC236}">
+                <a16:creationId xmlns:a16="http://schemas.microsoft.com/office/drawing/2014/main" id="{D9D1D7DB-6207-F663-851B-321C8B59C71F}"/>
+              </a:ext>
+            </a:extLst>
+          </p:cNvPr>
+          <p:cNvSpPr>
+            <a:spLocks noGrp="1"/>
+          </p:cNvSpPr>
+          <p:nvPr>
+            <p:ph idx="1"/>
+          </p:nvPr>
+        </p:nvSpPr>
+        <p:spPr/>
+        <p:txBody>
+          <a:bodyPr/>
+          <a:lstStyle/>
+          <a:p>
+            <a:pPr>
+              <a:buFont typeface="Wingdings" panose="05000000000000000000" pitchFamily="2" charset="2"/>
+              <a:buChar char="Ø"/>
+            </a:pPr>
+            <a:r>
+              <a:rPr lang="en-US" dirty="0">
+                <a:solidFill>
+                  <a:srgbClr val="C691E3"/>
+                </a:solidFill>
+                <a:latin typeface="Berlin Sans FB" panose="020E0602020502020306" pitchFamily="34" charset="0"/>
+              </a:rPr>
+              <a:t>Collection of Hate crime statistics and Anti-LGBTQ legislation passed within a year. </a:t>
+            </a:r>
+          </a:p>
+          <a:p>
+            <a:pPr>
+              <a:buFont typeface="Wingdings" panose="05000000000000000000" pitchFamily="2" charset="2"/>
+              <a:buChar char="Ø"/>
+            </a:pPr>
+            <a:r>
+              <a:rPr lang="en-US" dirty="0">
+                <a:solidFill>
+                  <a:srgbClr val="C691E3"/>
+                </a:solidFill>
+                <a:latin typeface="Berlin Sans FB" panose="020E0602020502020306" pitchFamily="34" charset="0"/>
+              </a:rPr>
+              <a:t>Dataset 1: FBI’s hate crime tracker </a:t>
+            </a:r>
+          </a:p>
+          <a:p>
+            <a:pPr>
+              <a:buFont typeface="Wingdings" panose="05000000000000000000" pitchFamily="2" charset="2"/>
+              <a:buChar char="Ø"/>
+            </a:pPr>
+            <a:r>
+              <a:rPr lang="en-US" dirty="0">
+                <a:solidFill>
+                  <a:srgbClr val="C691E3"/>
+                </a:solidFill>
+                <a:latin typeface="Berlin Sans FB" panose="020E0602020502020306" pitchFamily="34" charset="0"/>
+              </a:rPr>
+              <a:t>Dataset2: ACLU’s legislation tracker </a:t>
+            </a:r>
+          </a:p>
+          <a:p>
+            <a:pPr>
+              <a:buFont typeface="Wingdings" panose="05000000000000000000" pitchFamily="2" charset="2"/>
+              <a:buChar char="Ø"/>
+            </a:pPr>
+            <a:r>
+              <a:rPr lang="en-US" dirty="0">
+                <a:solidFill>
+                  <a:srgbClr val="C691E3"/>
+                </a:solidFill>
+                <a:latin typeface="Berlin Sans FB" panose="020E0602020502020306" pitchFamily="34" charset="0"/>
+              </a:rPr>
+              <a:t>Models used:</a:t>
+            </a:r>
+          </a:p>
+          <a:p>
+            <a:pPr lvl="1">
+              <a:buFont typeface="Wingdings" panose="05000000000000000000" pitchFamily="2" charset="2"/>
+              <a:buChar char="Ø"/>
+            </a:pPr>
+            <a:r>
+              <a:rPr lang="en-US" dirty="0">
+                <a:solidFill>
+                  <a:srgbClr val="C691E3"/>
+                </a:solidFill>
+                <a:latin typeface="Berlin Sans FB" panose="020E0602020502020306" pitchFamily="34" charset="0"/>
+              </a:rPr>
+              <a:t>Regression</a:t>
+            </a:r>
+          </a:p>
+          <a:p>
+            <a:pPr lvl="1">
+              <a:buFont typeface="Wingdings" panose="05000000000000000000" pitchFamily="2" charset="2"/>
+              <a:buChar char="Ø"/>
+            </a:pPr>
+            <a:r>
+              <a:rPr lang="en-US" dirty="0">
+                <a:solidFill>
+                  <a:srgbClr val="C691E3"/>
+                </a:solidFill>
+                <a:latin typeface="Berlin Sans FB" panose="020E0602020502020306" pitchFamily="34" charset="0"/>
+              </a:rPr>
+              <a:t>Support Vector Machine </a:t>
+            </a:r>
+          </a:p>
+          <a:p>
+            <a:pPr lvl="1">
+              <a:buFont typeface="Wingdings" panose="05000000000000000000" pitchFamily="2" charset="2"/>
+              <a:buChar char="Ø"/>
+            </a:pPr>
+            <a:r>
+              <a:rPr lang="en-US" dirty="0">
+                <a:solidFill>
+                  <a:srgbClr val="C691E3"/>
+                </a:solidFill>
+                <a:latin typeface="Berlin Sans FB" panose="020E0602020502020306" pitchFamily="34" charset="0"/>
+              </a:rPr>
+              <a:t>Random Forest </a:t>
+            </a:r>
+            <a:endParaRPr lang="en-US" dirty="0">
+              <a:latin typeface="Berlin Sans FB" panose="020E0602020502020306" pitchFamily="34" charset="0"/>
+            </a:endParaRPr>
+          </a:p>
+        </p:txBody>
+      </p:sp>
+    </p:spTree>
+    <p:extLst>
+      <p:ext uri="{BB962C8B-B14F-4D97-AF65-F5344CB8AC3E}">
+        <p14:creationId xmlns:p14="http://schemas.microsoft.com/office/powerpoint/2010/main" val="3865565733"/>
+      </p:ext>
+    </p:extLst>
+  </p:cSld>
+  <p:clrMapOvr>
+    <a:masterClrMapping/>
   </p:clrMapOvr>
 </p:sld>
 </file>

--- a/presentation.pptx
+++ b/presentation.pptx
@@ -6,8 +6,8 @@
   </p:sldMasterIdLst>
   <p:sldIdLst>
     <p:sldId id="256" r:id="rId2"/>
-    <p:sldId id="257" r:id="rId3"/>
-    <p:sldId id="258" r:id="rId4"/>
+    <p:sldId id="258" r:id="rId3"/>
+    <p:sldId id="257" r:id="rId4"/>
   </p:sldIdLst>
   <p:sldSz cx="12192000" cy="6858000"/>
   <p:notesSz cx="6858000" cy="9144000"/>
@@ -3802,6 +3802,283 @@
           <a:chExt cx="0" cy="0"/>
         </a:xfrm>
       </p:grpSpPr>
+      <p:pic>
+        <p:nvPicPr>
+          <p:cNvPr id="5" name="Picture 4">
+            <a:extLst>
+              <a:ext uri="{FF2B5EF4-FFF2-40B4-BE49-F238E27FC236}">
+                <a16:creationId xmlns:a16="http://schemas.microsoft.com/office/drawing/2014/main" id="{55C8599C-EB7D-4E29-B5EE-BCA5762EED4D}"/>
+              </a:ext>
+            </a:extLst>
+          </p:cNvPr>
+          <p:cNvPicPr>
+            <a:picLocks noChangeAspect="1"/>
+          </p:cNvPicPr>
+          <p:nvPr/>
+        </p:nvPicPr>
+        <p:blipFill>
+          <a:blip r:embed="rId2"/>
+          <a:stretch>
+            <a:fillRect/>
+          </a:stretch>
+        </p:blipFill>
+        <p:spPr>
+          <a:xfrm>
+            <a:off x="0" y="0"/>
+            <a:ext cx="12192000" cy="6858000"/>
+          </a:xfrm>
+          <a:prstGeom prst="rect">
+            <a:avLst/>
+          </a:prstGeom>
+        </p:spPr>
+      </p:pic>
+      <p:sp>
+        <p:nvSpPr>
+          <p:cNvPr id="4" name="Rectangle 3">
+            <a:extLst>
+              <a:ext uri="{FF2B5EF4-FFF2-40B4-BE49-F238E27FC236}">
+                <a16:creationId xmlns:a16="http://schemas.microsoft.com/office/drawing/2014/main" id="{67504FBA-2B5B-0350-6255-63B40B991171}"/>
+              </a:ext>
+            </a:extLst>
+          </p:cNvPr>
+          <p:cNvSpPr/>
+          <p:nvPr/>
+        </p:nvSpPr>
+        <p:spPr>
+          <a:xfrm>
+            <a:off x="0" y="0"/>
+            <a:ext cx="12192000" cy="6858000"/>
+          </a:xfrm>
+          <a:prstGeom prst="rect">
+            <a:avLst/>
+          </a:prstGeom>
+          <a:solidFill>
+            <a:schemeClr val="tx1">
+              <a:alpha val="69000"/>
+            </a:schemeClr>
+          </a:solidFill>
+          <a:ln>
+            <a:noFill/>
+          </a:ln>
+        </p:spPr>
+        <p:style>
+          <a:lnRef idx="2">
+            <a:schemeClr val="accent1">
+              <a:shade val="50000"/>
+            </a:schemeClr>
+          </a:lnRef>
+          <a:fillRef idx="1">
+            <a:schemeClr val="accent1"/>
+          </a:fillRef>
+          <a:effectRef idx="0">
+            <a:schemeClr val="accent1"/>
+          </a:effectRef>
+          <a:fontRef idx="minor">
+            <a:schemeClr val="lt1"/>
+          </a:fontRef>
+        </p:style>
+        <p:txBody>
+          <a:bodyPr rtlCol="0" anchor="ctr"/>
+          <a:lstStyle/>
+          <a:p>
+            <a:pPr algn="ctr"/>
+            <a:endParaRPr lang="en-US" dirty="0"/>
+          </a:p>
+        </p:txBody>
+      </p:sp>
+      <p:sp>
+        <p:nvSpPr>
+          <p:cNvPr id="2" name="Title 1">
+            <a:extLst>
+              <a:ext uri="{FF2B5EF4-FFF2-40B4-BE49-F238E27FC236}">
+                <a16:creationId xmlns:a16="http://schemas.microsoft.com/office/drawing/2014/main" id="{8EADABEA-7C28-71BD-1075-75C272494165}"/>
+              </a:ext>
+            </a:extLst>
+          </p:cNvPr>
+          <p:cNvSpPr>
+            <a:spLocks noGrp="1"/>
+          </p:cNvSpPr>
+          <p:nvPr>
+            <p:ph type="title"/>
+          </p:nvPr>
+        </p:nvSpPr>
+        <p:spPr/>
+        <p:txBody>
+          <a:bodyPr/>
+          <a:lstStyle/>
+          <a:p>
+            <a:r>
+              <a:rPr lang="en-US" dirty="0">
+                <a:solidFill>
+                  <a:srgbClr val="C691E3"/>
+                </a:solidFill>
+                <a:latin typeface="Harlow Solid Italic" panose="04030604020F02020D02" pitchFamily="82" charset="0"/>
+              </a:rPr>
+              <a:t>How this works: </a:t>
+            </a:r>
+          </a:p>
+        </p:txBody>
+      </p:sp>
+      <p:sp>
+        <p:nvSpPr>
+          <p:cNvPr id="3" name="Content Placeholder 2">
+            <a:extLst>
+              <a:ext uri="{FF2B5EF4-FFF2-40B4-BE49-F238E27FC236}">
+                <a16:creationId xmlns:a16="http://schemas.microsoft.com/office/drawing/2014/main" id="{D9D1D7DB-6207-F663-851B-321C8B59C71F}"/>
+              </a:ext>
+            </a:extLst>
+          </p:cNvPr>
+          <p:cNvSpPr>
+            <a:spLocks noGrp="1"/>
+          </p:cNvSpPr>
+          <p:nvPr>
+            <p:ph idx="1"/>
+          </p:nvPr>
+        </p:nvSpPr>
+        <p:spPr/>
+        <p:txBody>
+          <a:bodyPr/>
+          <a:lstStyle/>
+          <a:p>
+            <a:pPr>
+              <a:buFont typeface="Wingdings" panose="05000000000000000000" pitchFamily="2" charset="2"/>
+              <a:buChar char="Ø"/>
+            </a:pPr>
+            <a:r>
+              <a:rPr lang="en-US" dirty="0">
+                <a:solidFill>
+                  <a:srgbClr val="C691E3"/>
+                </a:solidFill>
+                <a:latin typeface="Berlin Sans FB" panose="020E0602020502020306" pitchFamily="34" charset="0"/>
+              </a:rPr>
+              <a:t>Collection of Hate crime statistics and Anti-LGBTQ legislation passed within a year. </a:t>
+            </a:r>
+          </a:p>
+          <a:p>
+            <a:pPr>
+              <a:buFont typeface="Wingdings" panose="05000000000000000000" pitchFamily="2" charset="2"/>
+              <a:buChar char="Ø"/>
+            </a:pPr>
+            <a:r>
+              <a:rPr lang="en-US" dirty="0">
+                <a:solidFill>
+                  <a:srgbClr val="C691E3"/>
+                </a:solidFill>
+                <a:latin typeface="Berlin Sans FB" panose="020E0602020502020306" pitchFamily="34" charset="0"/>
+              </a:rPr>
+              <a:t>Dataset 1: FBI’s hate crime tracker </a:t>
+            </a:r>
+          </a:p>
+          <a:p>
+            <a:pPr>
+              <a:buFont typeface="Wingdings" panose="05000000000000000000" pitchFamily="2" charset="2"/>
+              <a:buChar char="Ø"/>
+            </a:pPr>
+            <a:r>
+              <a:rPr lang="en-US" dirty="0">
+                <a:solidFill>
+                  <a:srgbClr val="C691E3"/>
+                </a:solidFill>
+                <a:latin typeface="Berlin Sans FB" panose="020E0602020502020306" pitchFamily="34" charset="0"/>
+              </a:rPr>
+              <a:t>Dataset2: ACLU’s legislation tracker </a:t>
+            </a:r>
+          </a:p>
+          <a:p>
+            <a:pPr>
+              <a:buFont typeface="Wingdings" panose="05000000000000000000" pitchFamily="2" charset="2"/>
+              <a:buChar char="Ø"/>
+            </a:pPr>
+            <a:r>
+              <a:rPr lang="en-US" dirty="0">
+                <a:solidFill>
+                  <a:srgbClr val="C691E3"/>
+                </a:solidFill>
+                <a:latin typeface="Berlin Sans FB" panose="020E0602020502020306" pitchFamily="34" charset="0"/>
+              </a:rPr>
+              <a:t>Models used:</a:t>
+            </a:r>
+          </a:p>
+          <a:p>
+            <a:pPr lvl="1">
+              <a:buFont typeface="Wingdings" panose="05000000000000000000" pitchFamily="2" charset="2"/>
+              <a:buChar char="Ø"/>
+            </a:pPr>
+            <a:r>
+              <a:rPr lang="en-US" dirty="0">
+                <a:solidFill>
+                  <a:srgbClr val="C691E3"/>
+                </a:solidFill>
+                <a:latin typeface="Berlin Sans FB" panose="020E0602020502020306" pitchFamily="34" charset="0"/>
+              </a:rPr>
+              <a:t>Regression</a:t>
+            </a:r>
+          </a:p>
+          <a:p>
+            <a:pPr lvl="1">
+              <a:buFont typeface="Wingdings" panose="05000000000000000000" pitchFamily="2" charset="2"/>
+              <a:buChar char="Ø"/>
+            </a:pPr>
+            <a:r>
+              <a:rPr lang="en-US" dirty="0">
+                <a:solidFill>
+                  <a:srgbClr val="C691E3"/>
+                </a:solidFill>
+                <a:latin typeface="Berlin Sans FB" panose="020E0602020502020306" pitchFamily="34" charset="0"/>
+              </a:rPr>
+              <a:t>Support Vector Machine </a:t>
+            </a:r>
+          </a:p>
+          <a:p>
+            <a:pPr lvl="1">
+              <a:buFont typeface="Wingdings" panose="05000000000000000000" pitchFamily="2" charset="2"/>
+              <a:buChar char="Ø"/>
+            </a:pPr>
+            <a:r>
+              <a:rPr lang="en-US" dirty="0">
+                <a:solidFill>
+                  <a:srgbClr val="C691E3"/>
+                </a:solidFill>
+                <a:latin typeface="Berlin Sans FB" panose="020E0602020502020306" pitchFamily="34" charset="0"/>
+              </a:rPr>
+              <a:t>Random Forest </a:t>
+            </a:r>
+            <a:endParaRPr lang="en-US" dirty="0">
+              <a:latin typeface="Berlin Sans FB" panose="020E0602020502020306" pitchFamily="34" charset="0"/>
+            </a:endParaRPr>
+          </a:p>
+        </p:txBody>
+      </p:sp>
+    </p:spTree>
+    <p:extLst>
+      <p:ext uri="{BB962C8B-B14F-4D97-AF65-F5344CB8AC3E}">
+        <p14:creationId xmlns:p14="http://schemas.microsoft.com/office/powerpoint/2010/main" val="3865565733"/>
+      </p:ext>
+    </p:extLst>
+  </p:cSld>
+  <p:clrMapOvr>
+    <a:masterClrMapping/>
+  </p:clrMapOvr>
+</p:sld>
+</file>
+
+<file path=ppt/slides/slide3.xml><?xml version="1.0" encoding="utf-8"?>
+<p:sld xmlns:a="http://schemas.openxmlformats.org/drawingml/2006/main" xmlns:r="http://schemas.openxmlformats.org/officeDocument/2006/relationships" xmlns:p="http://schemas.openxmlformats.org/presentationml/2006/main">
+  <p:cSld>
+    <p:spTree>
+      <p:nvGrpSpPr>
+        <p:cNvPr id="1" name=""/>
+        <p:cNvGrpSpPr/>
+        <p:nvPr/>
+      </p:nvGrpSpPr>
+      <p:grpSpPr>
+        <a:xfrm>
+          <a:off x="0" y="0"/>
+          <a:ext cx="0" cy="0"/>
+          <a:chOff x="0" y="0"/>
+          <a:chExt cx="0" cy="0"/>
+        </a:xfrm>
+      </p:grpSpPr>
       <p:sp>
         <p:nvSpPr>
           <p:cNvPr id="5" name="Rectangle 4">
@@ -3860,253 +4137,6 @@
     <p:extLst>
       <p:ext uri="{BB962C8B-B14F-4D97-AF65-F5344CB8AC3E}">
         <p14:creationId xmlns:p14="http://schemas.microsoft.com/office/powerpoint/2010/main" val="1449924063"/>
-      </p:ext>
-    </p:extLst>
-  </p:cSld>
-  <p:clrMapOvr>
-    <a:masterClrMapping/>
-  </p:clrMapOvr>
-</p:sld>
-</file>
-
-<file path=ppt/slides/slide3.xml><?xml version="1.0" encoding="utf-8"?>
-<p:sld xmlns:a="http://schemas.openxmlformats.org/drawingml/2006/main" xmlns:r="http://schemas.openxmlformats.org/officeDocument/2006/relationships" xmlns:p="http://schemas.openxmlformats.org/presentationml/2006/main">
-  <p:cSld>
-    <p:spTree>
-      <p:nvGrpSpPr>
-        <p:cNvPr id="1" name=""/>
-        <p:cNvGrpSpPr/>
-        <p:nvPr/>
-      </p:nvGrpSpPr>
-      <p:grpSpPr>
-        <a:xfrm>
-          <a:off x="0" y="0"/>
-          <a:ext cx="0" cy="0"/>
-          <a:chOff x="0" y="0"/>
-          <a:chExt cx="0" cy="0"/>
-        </a:xfrm>
-      </p:grpSpPr>
-      <p:sp>
-        <p:nvSpPr>
-          <p:cNvPr id="4" name="Rectangle 3">
-            <a:extLst>
-              <a:ext uri="{FF2B5EF4-FFF2-40B4-BE49-F238E27FC236}">
-                <a16:creationId xmlns:a16="http://schemas.microsoft.com/office/drawing/2014/main" id="{67504FBA-2B5B-0350-6255-63B40B991171}"/>
-              </a:ext>
-            </a:extLst>
-          </p:cNvPr>
-          <p:cNvSpPr/>
-          <p:nvPr/>
-        </p:nvSpPr>
-        <p:spPr>
-          <a:xfrm>
-            <a:off x="0" y="0"/>
-            <a:ext cx="12192000" cy="6858000"/>
-          </a:xfrm>
-          <a:prstGeom prst="rect">
-            <a:avLst/>
-          </a:prstGeom>
-          <a:solidFill>
-            <a:schemeClr val="tx1">
-              <a:alpha val="80000"/>
-            </a:schemeClr>
-          </a:solidFill>
-          <a:ln>
-            <a:noFill/>
-          </a:ln>
-        </p:spPr>
-        <p:style>
-          <a:lnRef idx="2">
-            <a:schemeClr val="accent1">
-              <a:shade val="50000"/>
-            </a:schemeClr>
-          </a:lnRef>
-          <a:fillRef idx="1">
-            <a:schemeClr val="accent1"/>
-          </a:fillRef>
-          <a:effectRef idx="0">
-            <a:schemeClr val="accent1"/>
-          </a:effectRef>
-          <a:fontRef idx="minor">
-            <a:schemeClr val="lt1"/>
-          </a:fontRef>
-        </p:style>
-        <p:txBody>
-          <a:bodyPr rtlCol="0" anchor="ctr"/>
-          <a:lstStyle/>
-          <a:p>
-            <a:pPr algn="ctr"/>
-            <a:endParaRPr lang="en-US" dirty="0"/>
-          </a:p>
-        </p:txBody>
-      </p:sp>
-      <p:sp>
-        <p:nvSpPr>
-          <p:cNvPr id="2" name="Title 1">
-            <a:extLst>
-              <a:ext uri="{FF2B5EF4-FFF2-40B4-BE49-F238E27FC236}">
-                <a16:creationId xmlns:a16="http://schemas.microsoft.com/office/drawing/2014/main" id="{8EADABEA-7C28-71BD-1075-75C272494165}"/>
-              </a:ext>
-            </a:extLst>
-          </p:cNvPr>
-          <p:cNvSpPr>
-            <a:spLocks noGrp="1"/>
-          </p:cNvSpPr>
-          <p:nvPr>
-            <p:ph type="title"/>
-          </p:nvPr>
-        </p:nvSpPr>
-        <p:spPr/>
-        <p:txBody>
-          <a:bodyPr/>
-          <a:lstStyle/>
-          <a:p>
-            <a:r>
-              <a:rPr lang="en-US" dirty="0">
-                <a:solidFill>
-                  <a:srgbClr val="C691E3"/>
-                </a:solidFill>
-                <a:latin typeface="Harlow Solid Italic" panose="04030604020F02020D02" pitchFamily="82" charset="0"/>
-              </a:rPr>
-              <a:t>How this works: </a:t>
-            </a:r>
-          </a:p>
-        </p:txBody>
-      </p:sp>
-      <p:sp>
-        <p:nvSpPr>
-          <p:cNvPr id="3" name="Content Placeholder 2">
-            <a:extLst>
-              <a:ext uri="{FF2B5EF4-FFF2-40B4-BE49-F238E27FC236}">
-                <a16:creationId xmlns:a16="http://schemas.microsoft.com/office/drawing/2014/main" id="{D9D1D7DB-6207-F663-851B-321C8B59C71F}"/>
-              </a:ext>
-            </a:extLst>
-          </p:cNvPr>
-          <p:cNvSpPr>
-            <a:spLocks noGrp="1"/>
-          </p:cNvSpPr>
-          <p:nvPr>
-            <p:ph idx="1"/>
-          </p:nvPr>
-        </p:nvSpPr>
-        <p:spPr/>
-        <p:txBody>
-          <a:bodyPr/>
-          <a:lstStyle/>
-          <a:p>
-            <a:pPr>
-              <a:buFont typeface="Wingdings" panose="05000000000000000000" pitchFamily="2" charset="2"/>
-              <a:buChar char="Ø"/>
-            </a:pPr>
-            <a:r>
-              <a:rPr lang="en-US" dirty="0">
-                <a:solidFill>
-                  <a:srgbClr val="C691E3"/>
-                </a:solidFill>
-                <a:latin typeface="Berlin Sans FB" panose="020E0602020502020306" pitchFamily="34" charset="0"/>
-              </a:rPr>
-              <a:t>Collection of Hate crime statistics and Anti-LGBTQ legislation passed within a year. </a:t>
-            </a:r>
-          </a:p>
-          <a:p>
-            <a:pPr>
-              <a:buFont typeface="Wingdings" panose="05000000000000000000" pitchFamily="2" charset="2"/>
-              <a:buChar char="Ø"/>
-            </a:pPr>
-            <a:r>
-              <a:rPr lang="en-US" dirty="0">
-                <a:solidFill>
-                  <a:srgbClr val="C691E3"/>
-                </a:solidFill>
-                <a:latin typeface="Berlin Sans FB" panose="020E0602020502020306" pitchFamily="34" charset="0"/>
-              </a:rPr>
-              <a:t>Dataset 1: FBI’s hate crime tracker </a:t>
-            </a:r>
-          </a:p>
-          <a:p>
-            <a:pPr>
-              <a:buFont typeface="Wingdings" panose="05000000000000000000" pitchFamily="2" charset="2"/>
-              <a:buChar char="Ø"/>
-            </a:pPr>
-            <a:r>
-              <a:rPr lang="en-US" dirty="0">
-                <a:solidFill>
-                  <a:srgbClr val="C691E3"/>
-                </a:solidFill>
-                <a:latin typeface="Berlin Sans FB" panose="020E0602020502020306" pitchFamily="34" charset="0"/>
-              </a:rPr>
-              <a:t>Dataset2: ACLU’s legislation tracker </a:t>
-            </a:r>
-          </a:p>
-          <a:p>
-            <a:pPr>
-              <a:buFont typeface="Wingdings" panose="05000000000000000000" pitchFamily="2" charset="2"/>
-              <a:buChar char="Ø"/>
-            </a:pPr>
-            <a:r>
-              <a:rPr lang="en-US" dirty="0">
-                <a:solidFill>
-                  <a:srgbClr val="C691E3"/>
-                </a:solidFill>
-                <a:latin typeface="Berlin Sans FB" panose="020E0602020502020306" pitchFamily="34" charset="0"/>
-              </a:rPr>
-              <a:t>Models used:</a:t>
-            </a:r>
-          </a:p>
-          <a:p>
-            <a:pPr lvl="1">
-              <a:buFont typeface="Wingdings" panose="05000000000000000000" pitchFamily="2" charset="2"/>
-              <a:buChar char="Ø"/>
-            </a:pPr>
-            <a:r>
-              <a:rPr lang="en-US" dirty="0">
-                <a:solidFill>
-                  <a:srgbClr val="C691E3"/>
-                </a:solidFill>
-                <a:latin typeface="Berlin Sans FB" panose="020E0602020502020306" pitchFamily="34" charset="0"/>
-              </a:rPr>
-              <a:t>Regression</a:t>
-            </a:r>
-          </a:p>
-          <a:p>
-            <a:pPr lvl="1">
-              <a:buFont typeface="Wingdings" panose="05000000000000000000" pitchFamily="2" charset="2"/>
-              <a:buChar char="Ø"/>
-            </a:pPr>
-            <a:r>
-              <a:rPr lang="en-US" dirty="0">
-                <a:solidFill>
-                  <a:srgbClr val="C691E3"/>
-                </a:solidFill>
-                <a:latin typeface="Berlin Sans FB" panose="020E0602020502020306" pitchFamily="34" charset="0"/>
-              </a:rPr>
-              <a:t>Support Vector Machine </a:t>
-            </a:r>
-          </a:p>
-          <a:p>
-            <a:pPr lvl="1">
-              <a:buFont typeface="Wingdings" panose="05000000000000000000" pitchFamily="2" charset="2"/>
-              <a:buChar char="Ø"/>
-            </a:pPr>
-            <a:r>
-              <a:rPr lang="en-US" dirty="0">
-                <a:solidFill>
-                  <a:srgbClr val="C691E3"/>
-                </a:solidFill>
-                <a:latin typeface="Berlin Sans FB" panose="020E0602020502020306" pitchFamily="34" charset="0"/>
-              </a:rPr>
-              <a:t>Random Forest </a:t>
-            </a:r>
-            <a:endParaRPr lang="en-US" dirty="0">
-              <a:latin typeface="Berlin Sans FB" panose="020E0602020502020306" pitchFamily="34" charset="0"/>
-            </a:endParaRPr>
-          </a:p>
-        </p:txBody>
-      </p:sp>
-    </p:spTree>
-    <p:extLst>
-      <p:ext uri="{BB962C8B-B14F-4D97-AF65-F5344CB8AC3E}">
-        <p14:creationId xmlns:p14="http://schemas.microsoft.com/office/powerpoint/2010/main" val="3865565733"/>
       </p:ext>
     </p:extLst>
   </p:cSld>

--- a/presentation.pptx
+++ b/presentation.pptx
@@ -6,8 +6,14 @@
   </p:sldMasterIdLst>
   <p:sldIdLst>
     <p:sldId id="256" r:id="rId2"/>
-    <p:sldId id="258" r:id="rId3"/>
-    <p:sldId id="257" r:id="rId4"/>
+    <p:sldId id="259" r:id="rId3"/>
+    <p:sldId id="258" r:id="rId4"/>
+    <p:sldId id="260" r:id="rId5"/>
+    <p:sldId id="264" r:id="rId6"/>
+    <p:sldId id="265" r:id="rId7"/>
+    <p:sldId id="261" r:id="rId8"/>
+    <p:sldId id="262" r:id="rId9"/>
+    <p:sldId id="263" r:id="rId10"/>
   </p:sldIdLst>
   <p:sldSz cx="12192000" cy="6858000"/>
   <p:notesSz cx="6858000" cy="9144000"/>
@@ -3788,6 +3794,17 @@
 <file path=ppt/slides/slide2.xml><?xml version="1.0" encoding="utf-8"?>
 <p:sld xmlns:a="http://schemas.openxmlformats.org/drawingml/2006/main" xmlns:r="http://schemas.openxmlformats.org/officeDocument/2006/relationships" xmlns:p="http://schemas.openxmlformats.org/presentationml/2006/main">
   <p:cSld>
+    <p:bg>
+      <p:bgPr>
+        <a:solidFill>
+          <a:schemeClr val="bg1">
+            <a:tint val="95000"/>
+            <a:satMod val="170000"/>
+          </a:schemeClr>
+        </a:solidFill>
+        <a:effectLst/>
+      </p:bgPr>
+    </p:bg>
     <p:spTree>
       <p:nvGrpSpPr>
         <p:cNvPr id="1" name=""/>
@@ -3802,26 +3819,29 @@
           <a:chExt cx="0" cy="0"/>
         </a:xfrm>
       </p:grpSpPr>
-      <p:pic>
-        <p:nvPicPr>
-          <p:cNvPr id="5" name="Picture 4">
-            <a:extLst>
-              <a:ext uri="{FF2B5EF4-FFF2-40B4-BE49-F238E27FC236}">
-                <a16:creationId xmlns:a16="http://schemas.microsoft.com/office/drawing/2014/main" id="{55C8599C-EB7D-4E29-B5EE-BCA5762EED4D}"/>
-              </a:ext>
-            </a:extLst>
-          </p:cNvPr>
-          <p:cNvPicPr>
-            <a:picLocks noChangeAspect="1"/>
-          </p:cNvPicPr>
-          <p:nvPr/>
-        </p:nvPicPr>
-        <p:blipFill>
-          <a:blip r:embed="rId2"/>
-          <a:stretch>
-            <a:fillRect/>
-          </a:stretch>
-        </p:blipFill>
+      <p:sp useBgFill="1">
+        <p:nvSpPr>
+          <p:cNvPr id="1055" name="Rectangle 1054">
+            <a:extLst>
+              <a:ext uri="{FF2B5EF4-FFF2-40B4-BE49-F238E27FC236}">
+                <a16:creationId xmlns:a16="http://schemas.microsoft.com/office/drawing/2014/main" id="{40F6B676-B146-4D5E-90E5-D65A72CA04E7}"/>
+              </a:ext>
+              <a:ext uri="{C183D7F6-B498-43B3-948B-1728B52AA6E4}">
+                <adec:decorative xmlns:adec="http://schemas.microsoft.com/office/drawing/2017/decorative" val="1"/>
+              </a:ext>
+            </a:extLst>
+          </p:cNvPr>
+          <p:cNvSpPr>
+            <a:spLocks noGrp="1" noRot="1" noChangeAspect="1" noMove="1" noResize="1" noEditPoints="1" noAdjustHandles="1" noChangeArrowheads="1" noChangeShapeType="1" noTextEdit="1"/>
+          </p:cNvSpPr>
+          <p:nvPr>
+            <p:extLst>
+              <p:ext uri="{386F3935-93C4-4BCD-93E2-E3B085C9AB24}">
+                <p16:designElem xmlns:p16="http://schemas.microsoft.com/office/powerpoint/2015/main" val="1"/>
+              </p:ext>
+            </p:extLst>
+          </p:nvPr>
+        </p:nvSpPr>
         <p:spPr>
           <a:xfrm>
             <a:off x="0" y="0"/>
@@ -3830,14 +3850,284 @@
           <a:prstGeom prst="rect">
             <a:avLst/>
           </a:prstGeom>
+          <a:ln>
+            <a:noFill/>
+          </a:ln>
+        </p:spPr>
+        <p:style>
+          <a:lnRef idx="2">
+            <a:schemeClr val="accent1">
+              <a:shade val="50000"/>
+            </a:schemeClr>
+          </a:lnRef>
+          <a:fillRef idx="1">
+            <a:schemeClr val="accent1"/>
+          </a:fillRef>
+          <a:effectRef idx="0">
+            <a:schemeClr val="accent1"/>
+          </a:effectRef>
+          <a:fontRef idx="minor">
+            <a:schemeClr val="lt1"/>
+          </a:fontRef>
+        </p:style>
+        <p:txBody>
+          <a:bodyPr rtlCol="0" anchor="ctr"/>
+          <a:lstStyle/>
+          <a:p>
+            <a:pPr algn="ctr"/>
+            <a:endParaRPr lang="en-US"/>
+          </a:p>
+        </p:txBody>
+      </p:sp>
+      <p:sp>
+        <p:nvSpPr>
+          <p:cNvPr id="1057" name="Rectangle 1056">
+            <a:extLst>
+              <a:ext uri="{FF2B5EF4-FFF2-40B4-BE49-F238E27FC236}">
+                <a16:creationId xmlns:a16="http://schemas.microsoft.com/office/drawing/2014/main" id="{2623A025-DB3C-4E81-A76F-A0006C485F19}"/>
+              </a:ext>
+              <a:ext uri="{C183D7F6-B498-43B3-948B-1728B52AA6E4}">
+                <adec:decorative xmlns:adec="http://schemas.microsoft.com/office/drawing/2017/decorative" val="1"/>
+              </a:ext>
+            </a:extLst>
+          </p:cNvPr>
+          <p:cNvSpPr>
+            <a:spLocks noGrp="1" noRot="1" noChangeAspect="1" noMove="1" noResize="1" noEditPoints="1" noAdjustHandles="1" noChangeArrowheads="1" noChangeShapeType="1" noTextEdit="1"/>
+          </p:cNvSpPr>
+          <p:nvPr>
+            <p:extLst>
+              <p:ext uri="{386F3935-93C4-4BCD-93E2-E3B085C9AB24}">
+                <p16:designElem xmlns:p16="http://schemas.microsoft.com/office/powerpoint/2015/main" val="1"/>
+              </p:ext>
+            </p:extLst>
+          </p:nvPr>
+        </p:nvSpPr>
+        <p:spPr>
+          <a:xfrm>
+            <a:off x="477012" y="480060"/>
+            <a:ext cx="11237976" cy="5897880"/>
+          </a:xfrm>
+          <a:prstGeom prst="rect">
+            <a:avLst/>
+          </a:prstGeom>
+          <a:noFill/>
+          <a:ln>
+            <a:solidFill>
+              <a:schemeClr val="tx1"/>
+            </a:solidFill>
+          </a:ln>
+        </p:spPr>
+        <p:style>
+          <a:lnRef idx="2">
+            <a:schemeClr val="accent1">
+              <a:shade val="50000"/>
+            </a:schemeClr>
+          </a:lnRef>
+          <a:fillRef idx="1">
+            <a:schemeClr val="accent1"/>
+          </a:fillRef>
+          <a:effectRef idx="0">
+            <a:schemeClr val="accent1"/>
+          </a:effectRef>
+          <a:fontRef idx="minor">
+            <a:schemeClr val="lt1"/>
+          </a:fontRef>
+        </p:style>
+        <p:txBody>
+          <a:bodyPr rtlCol="0" anchor="ctr"/>
+          <a:lstStyle/>
+          <a:p>
+            <a:pPr algn="ctr"/>
+            <a:endParaRPr lang="en-US"/>
+          </a:p>
+        </p:txBody>
+      </p:sp>
+      <p:pic>
+        <p:nvPicPr>
+          <p:cNvPr id="1026" name="Picture 2" descr="Florida's “Don't Say Gay” Bill Demonizes the LGBTQ Community | Equality  Florida">
+            <a:extLst>
+              <a:ext uri="{FF2B5EF4-FFF2-40B4-BE49-F238E27FC236}">
+                <a16:creationId xmlns:a16="http://schemas.microsoft.com/office/drawing/2014/main" id="{D64DD0B1-B7C7-0615-75BB-DA95066E2A37}"/>
+              </a:ext>
+            </a:extLst>
+          </p:cNvPr>
+          <p:cNvPicPr>
+            <a:picLocks noChangeAspect="1" noChangeArrowheads="1"/>
+          </p:cNvPicPr>
+          <p:nvPr/>
+        </p:nvPicPr>
+        <p:blipFill rotWithShape="1">
+          <a:blip r:embed="rId2">
+            <a:extLst>
+              <a:ext uri="{28A0092B-C50C-407E-A947-70E740481C1C}">
+                <a14:useLocalDpi xmlns:a14="http://schemas.microsoft.com/office/drawing/2010/main" val="0"/>
+              </a:ext>
+            </a:extLst>
+          </a:blip>
+          <a:srcRect t="3730" r="-2" b="2312"/>
+          <a:stretch/>
+        </p:blipFill>
+        <p:spPr bwMode="auto">
+          <a:xfrm>
+            <a:off x="641277" y="643466"/>
+            <a:ext cx="3426471" cy="1746504"/>
+          </a:xfrm>
+          <a:prstGeom prst="rect">
+            <a:avLst/>
+          </a:prstGeom>
+          <a:noFill/>
+          <a:extLst>
+            <a:ext uri="{909E8E84-426E-40DD-AFC4-6F175D3DCCD1}">
+              <a14:hiddenFill xmlns:a14="http://schemas.microsoft.com/office/drawing/2010/main">
+                <a:solidFill>
+                  <a:srgbClr val="FFFFFF"/>
+                </a:solidFill>
+              </a14:hiddenFill>
+            </a:ext>
+          </a:extLst>
         </p:spPr>
       </p:pic>
-      <p:sp>
-        <p:nvSpPr>
-          <p:cNvPr id="4" name="Rectangle 3">
-            <a:extLst>
-              <a:ext uri="{FF2B5EF4-FFF2-40B4-BE49-F238E27FC236}">
-                <a16:creationId xmlns:a16="http://schemas.microsoft.com/office/drawing/2014/main" id="{67504FBA-2B5B-0350-6255-63B40B991171}"/>
+      <p:pic>
+        <p:nvPicPr>
+          <p:cNvPr id="1028" name="Picture 4" descr="Trans people face rhetoric, disinformation after shooting - ABC News">
+            <a:extLst>
+              <a:ext uri="{FF2B5EF4-FFF2-40B4-BE49-F238E27FC236}">
+                <a16:creationId xmlns:a16="http://schemas.microsoft.com/office/drawing/2014/main" id="{ABF303ED-A9A7-DE05-198D-96709AEC1E56}"/>
+              </a:ext>
+            </a:extLst>
+          </p:cNvPr>
+          <p:cNvPicPr>
+            <a:picLocks noChangeAspect="1" noChangeArrowheads="1"/>
+          </p:cNvPicPr>
+          <p:nvPr/>
+        </p:nvPicPr>
+        <p:blipFill rotWithShape="1">
+          <a:blip r:embed="rId3">
+            <a:extLst>
+              <a:ext uri="{28A0092B-C50C-407E-A947-70E740481C1C}">
+                <a14:useLocalDpi xmlns:a14="http://schemas.microsoft.com/office/drawing/2010/main" val="0"/>
+              </a:ext>
+            </a:extLst>
+          </a:blip>
+          <a:srcRect l="18091" r="-1" b="-1"/>
+          <a:stretch/>
+        </p:blipFill>
+        <p:spPr bwMode="auto">
+          <a:xfrm>
+            <a:off x="641276" y="2557250"/>
+            <a:ext cx="3426471" cy="1746504"/>
+          </a:xfrm>
+          <a:prstGeom prst="rect">
+            <a:avLst/>
+          </a:prstGeom>
+          <a:noFill/>
+          <a:extLst>
+            <a:ext uri="{909E8E84-426E-40DD-AFC4-6F175D3DCCD1}">
+              <a14:hiddenFill xmlns:a14="http://schemas.microsoft.com/office/drawing/2010/main">
+                <a:solidFill>
+                  <a:srgbClr val="FFFFFF"/>
+                </a:solidFill>
+              </a14:hiddenFill>
+            </a:ext>
+          </a:extLst>
+        </p:spPr>
+      </p:pic>
+      <p:pic>
+        <p:nvPicPr>
+          <p:cNvPr id="5" name="Picture 4" descr="Trans 'extremists' and 'rapists': How the media reported on trans people in  2018 | PinkNews">
+            <a:extLst>
+              <a:ext uri="{FF2B5EF4-FFF2-40B4-BE49-F238E27FC236}">
+                <a16:creationId xmlns:a16="http://schemas.microsoft.com/office/drawing/2014/main" id="{45203D76-18B7-6868-C6B9-2C16D993C019}"/>
+              </a:ext>
+            </a:extLst>
+          </p:cNvPr>
+          <p:cNvPicPr>
+            <a:picLocks noChangeAspect="1" noChangeArrowheads="1"/>
+          </p:cNvPicPr>
+          <p:nvPr/>
+        </p:nvPicPr>
+        <p:blipFill rotWithShape="1">
+          <a:blip r:embed="rId4">
+            <a:extLst>
+              <a:ext uri="{28A0092B-C50C-407E-A947-70E740481C1C}">
+                <a14:useLocalDpi xmlns:a14="http://schemas.microsoft.com/office/drawing/2010/main" val="0"/>
+              </a:ext>
+            </a:extLst>
+          </a:blip>
+          <a:srcRect t="4227" r="6" b="6"/>
+          <a:stretch/>
+        </p:blipFill>
+        <p:spPr bwMode="auto">
+          <a:xfrm>
+            <a:off x="643467" y="4468029"/>
+            <a:ext cx="3424601" cy="1746504"/>
+          </a:xfrm>
+          <a:prstGeom prst="rect">
+            <a:avLst/>
+          </a:prstGeom>
+          <a:noFill/>
+          <a:extLst>
+            <a:ext uri="{909E8E84-426E-40DD-AFC4-6F175D3DCCD1}">
+              <a14:hiddenFill xmlns:a14="http://schemas.microsoft.com/office/drawing/2010/main">
+                <a:solidFill>
+                  <a:srgbClr val="FFFFFF"/>
+                </a:solidFill>
+              </a14:hiddenFill>
+            </a:ext>
+          </a:extLst>
+        </p:spPr>
+      </p:pic>
+      <p:pic>
+        <p:nvPicPr>
+          <p:cNvPr id="6" name="Picture 6" descr="Anti-trans legislation: LGBTQ advocates worry 2022 could set new record">
+            <a:extLst>
+              <a:ext uri="{FF2B5EF4-FFF2-40B4-BE49-F238E27FC236}">
+                <a16:creationId xmlns:a16="http://schemas.microsoft.com/office/drawing/2014/main" id="{94E77CD3-5320-DEBB-7E96-23EDC08D6973}"/>
+              </a:ext>
+            </a:extLst>
+          </p:cNvPr>
+          <p:cNvPicPr>
+            <a:picLocks noChangeAspect="1" noChangeArrowheads="1"/>
+          </p:cNvPicPr>
+          <p:nvPr/>
+        </p:nvPicPr>
+        <p:blipFill rotWithShape="1">
+          <a:blip r:embed="rId5">
+            <a:extLst>
+              <a:ext uri="{28A0092B-C50C-407E-A947-70E740481C1C}">
+                <a14:useLocalDpi xmlns:a14="http://schemas.microsoft.com/office/drawing/2010/main" val="0"/>
+              </a:ext>
+            </a:extLst>
+          </a:blip>
+          <a:srcRect l="13037" r="13041" b="-1"/>
+          <a:stretch/>
+        </p:blipFill>
+        <p:spPr bwMode="auto">
+          <a:xfrm>
+            <a:off x="4227349" y="643467"/>
+            <a:ext cx="7321184" cy="5571066"/>
+          </a:xfrm>
+          <a:prstGeom prst="rect">
+            <a:avLst/>
+          </a:prstGeom>
+          <a:noFill/>
+          <a:extLst>
+            <a:ext uri="{909E8E84-426E-40DD-AFC4-6F175D3DCCD1}">
+              <a14:hiddenFill xmlns:a14="http://schemas.microsoft.com/office/drawing/2010/main">
+                <a:solidFill>
+                  <a:srgbClr val="FFFFFF"/>
+                </a:solidFill>
+              </a14:hiddenFill>
+            </a:ext>
+          </a:extLst>
+        </p:spPr>
+      </p:pic>
+      <p:sp>
+        <p:nvSpPr>
+          <p:cNvPr id="7" name="Rectangle 6">
+            <a:extLst>
+              <a:ext uri="{FF2B5EF4-FFF2-40B4-BE49-F238E27FC236}">
+                <a16:creationId xmlns:a16="http://schemas.microsoft.com/office/drawing/2014/main" id="{18C1EB90-6ABE-8BDE-562F-D59BB6CACEE7}"/>
               </a:ext>
             </a:extLst>
           </p:cNvPr>
@@ -3853,8 +4143,8 @@
             <a:avLst/>
           </a:prstGeom>
           <a:solidFill>
-            <a:schemeClr val="tx1">
-              <a:alpha val="69000"/>
+            <a:schemeClr val="bg1">
+              <a:alpha val="78000"/>
             </a:schemeClr>
           </a:solidFill>
           <a:ln>
@@ -3888,162 +4178,305 @@
       </p:sp>
       <p:sp>
         <p:nvSpPr>
-          <p:cNvPr id="2" name="Title 1">
-            <a:extLst>
-              <a:ext uri="{FF2B5EF4-FFF2-40B4-BE49-F238E27FC236}">
-                <a16:creationId xmlns:a16="http://schemas.microsoft.com/office/drawing/2014/main" id="{8EADABEA-7C28-71BD-1075-75C272494165}"/>
-              </a:ext>
-            </a:extLst>
-          </p:cNvPr>
-          <p:cNvSpPr>
-            <a:spLocks noGrp="1"/>
-          </p:cNvSpPr>
-          <p:nvPr>
-            <p:ph type="title"/>
-          </p:nvPr>
-        </p:nvSpPr>
-        <p:spPr/>
-        <p:txBody>
-          <a:bodyPr/>
-          <a:lstStyle/>
-          <a:p>
-            <a:r>
-              <a:rPr lang="en-US" dirty="0">
+          <p:cNvPr id="2" name="TextBox 1">
+            <a:extLst>
+              <a:ext uri="{FF2B5EF4-FFF2-40B4-BE49-F238E27FC236}">
+                <a16:creationId xmlns:a16="http://schemas.microsoft.com/office/drawing/2014/main" id="{A1D2889B-36ED-8C6C-8A2C-FF632A190F7B}"/>
+              </a:ext>
+            </a:extLst>
+          </p:cNvPr>
+          <p:cNvSpPr txBox="1"/>
+          <p:nvPr/>
+        </p:nvSpPr>
+        <p:spPr>
+          <a:xfrm>
+            <a:off x="-426556" y="879301"/>
+            <a:ext cx="5918662" cy="646331"/>
+          </a:xfrm>
+          <a:prstGeom prst="rect">
+            <a:avLst/>
+          </a:prstGeom>
+          <a:noFill/>
+        </p:spPr>
+        <p:txBody>
+          <a:bodyPr wrap="square" rtlCol="0">
+            <a:spAutoFit/>
+          </a:bodyPr>
+          <a:lstStyle/>
+          <a:p>
+            <a:pPr algn="ctr"/>
+            <a:r>
+              <a:rPr lang="en-US" sz="3600" dirty="0">
+                <a:latin typeface="Berlin Sans FB" panose="020E0602020502020306" pitchFamily="34" charset="0"/>
+              </a:rPr>
+              <a:t>Project Description</a:t>
+            </a:r>
+          </a:p>
+        </p:txBody>
+      </p:sp>
+      <p:sp>
+        <p:nvSpPr>
+          <p:cNvPr id="13" name="Content Placeholder 2">
+            <a:extLst>
+              <a:ext uri="{FF2B5EF4-FFF2-40B4-BE49-F238E27FC236}">
+                <a16:creationId xmlns:a16="http://schemas.microsoft.com/office/drawing/2014/main" id="{3CBC1911-4603-4885-9795-BE46C3BE836B}"/>
+              </a:ext>
+            </a:extLst>
+          </p:cNvPr>
+          <p:cNvSpPr txBox="1">
+            <a:spLocks/>
+          </p:cNvSpPr>
+          <p:nvPr/>
+        </p:nvSpPr>
+        <p:spPr>
+          <a:xfrm>
+            <a:off x="838200" y="1825625"/>
+            <a:ext cx="10515600" cy="4351338"/>
+          </a:xfrm>
+          <a:prstGeom prst="rect">
+            <a:avLst/>
+          </a:prstGeom>
+        </p:spPr>
+        <p:txBody>
+          <a:bodyPr vert="horz" lIns="91440" tIns="45720" rIns="91440" bIns="45720" rtlCol="0">
+            <a:normAutofit/>
+          </a:bodyPr>
+          <a:lstStyle>
+            <a:lvl1pPr marL="0" indent="0" algn="ctr" defTabSz="914400" rtl="0" eaLnBrk="1" latinLnBrk="0" hangingPunct="1">
+              <a:lnSpc>
+                <a:spcPct val="90000"/>
+              </a:lnSpc>
+              <a:spcBef>
+                <a:spcPts val="1000"/>
+              </a:spcBef>
+              <a:buFont typeface="Arial" panose="020B0604020202020204" pitchFamily="34" charset="0"/>
+              <a:buNone/>
+              <a:defRPr sz="2400" kern="1200">
                 <a:solidFill>
-                  <a:srgbClr val="C691E3"/>
+                  <a:schemeClr val="tx1"/>
                 </a:solidFill>
-                <a:latin typeface="Harlow Solid Italic" panose="04030604020F02020D02" pitchFamily="82" charset="0"/>
-              </a:rPr>
-              <a:t>How this works: </a:t>
-            </a:r>
-          </a:p>
-        </p:txBody>
-      </p:sp>
-      <p:sp>
-        <p:nvSpPr>
-          <p:cNvPr id="3" name="Content Placeholder 2">
-            <a:extLst>
-              <a:ext uri="{FF2B5EF4-FFF2-40B4-BE49-F238E27FC236}">
-                <a16:creationId xmlns:a16="http://schemas.microsoft.com/office/drawing/2014/main" id="{D9D1D7DB-6207-F663-851B-321C8B59C71F}"/>
-              </a:ext>
-            </a:extLst>
-          </p:cNvPr>
-          <p:cNvSpPr>
-            <a:spLocks noGrp="1"/>
-          </p:cNvSpPr>
-          <p:nvPr>
-            <p:ph idx="1"/>
-          </p:nvPr>
-        </p:nvSpPr>
-        <p:spPr/>
-        <p:txBody>
-          <a:bodyPr/>
-          <a:lstStyle/>
-          <a:p>
-            <a:pPr>
+                <a:latin typeface="+mn-lt"/>
+                <a:ea typeface="+mn-ea"/>
+                <a:cs typeface="+mn-cs"/>
+              </a:defRPr>
+            </a:lvl1pPr>
+            <a:lvl2pPr marL="457200" indent="0" algn="ctr" defTabSz="914400" rtl="0" eaLnBrk="1" latinLnBrk="0" hangingPunct="1">
+              <a:lnSpc>
+                <a:spcPct val="90000"/>
+              </a:lnSpc>
+              <a:spcBef>
+                <a:spcPts val="500"/>
+              </a:spcBef>
+              <a:buFont typeface="Arial" panose="020B0604020202020204" pitchFamily="34" charset="0"/>
+              <a:buNone/>
+              <a:defRPr sz="2000" kern="1200">
+                <a:solidFill>
+                  <a:schemeClr val="tx1"/>
+                </a:solidFill>
+                <a:latin typeface="+mn-lt"/>
+                <a:ea typeface="+mn-ea"/>
+                <a:cs typeface="+mn-cs"/>
+              </a:defRPr>
+            </a:lvl2pPr>
+            <a:lvl3pPr marL="914400" indent="0" algn="ctr" defTabSz="914400" rtl="0" eaLnBrk="1" latinLnBrk="0" hangingPunct="1">
+              <a:lnSpc>
+                <a:spcPct val="90000"/>
+              </a:lnSpc>
+              <a:spcBef>
+                <a:spcPts val="500"/>
+              </a:spcBef>
+              <a:buFont typeface="Arial" panose="020B0604020202020204" pitchFamily="34" charset="0"/>
+              <a:buNone/>
+              <a:defRPr sz="1800" kern="1200">
+                <a:solidFill>
+                  <a:schemeClr val="tx1"/>
+                </a:solidFill>
+                <a:latin typeface="+mn-lt"/>
+                <a:ea typeface="+mn-ea"/>
+                <a:cs typeface="+mn-cs"/>
+              </a:defRPr>
+            </a:lvl3pPr>
+            <a:lvl4pPr marL="1371600" indent="0" algn="ctr" defTabSz="914400" rtl="0" eaLnBrk="1" latinLnBrk="0" hangingPunct="1">
+              <a:lnSpc>
+                <a:spcPct val="90000"/>
+              </a:lnSpc>
+              <a:spcBef>
+                <a:spcPts val="500"/>
+              </a:spcBef>
+              <a:buFont typeface="Arial" panose="020B0604020202020204" pitchFamily="34" charset="0"/>
+              <a:buNone/>
+              <a:defRPr sz="1600" kern="1200">
+                <a:solidFill>
+                  <a:schemeClr val="tx1"/>
+                </a:solidFill>
+                <a:latin typeface="+mn-lt"/>
+                <a:ea typeface="+mn-ea"/>
+                <a:cs typeface="+mn-cs"/>
+              </a:defRPr>
+            </a:lvl4pPr>
+            <a:lvl5pPr marL="1828800" indent="0" algn="ctr" defTabSz="914400" rtl="0" eaLnBrk="1" latinLnBrk="0" hangingPunct="1">
+              <a:lnSpc>
+                <a:spcPct val="90000"/>
+              </a:lnSpc>
+              <a:spcBef>
+                <a:spcPts val="500"/>
+              </a:spcBef>
+              <a:buFont typeface="Arial" panose="020B0604020202020204" pitchFamily="34" charset="0"/>
+              <a:buNone/>
+              <a:defRPr sz="1600" kern="1200">
+                <a:solidFill>
+                  <a:schemeClr val="tx1"/>
+                </a:solidFill>
+                <a:latin typeface="+mn-lt"/>
+                <a:ea typeface="+mn-ea"/>
+                <a:cs typeface="+mn-cs"/>
+              </a:defRPr>
+            </a:lvl5pPr>
+            <a:lvl6pPr marL="2286000" indent="0" algn="ctr" defTabSz="914400" rtl="0" eaLnBrk="1" latinLnBrk="0" hangingPunct="1">
+              <a:lnSpc>
+                <a:spcPct val="90000"/>
+              </a:lnSpc>
+              <a:spcBef>
+                <a:spcPts val="500"/>
+              </a:spcBef>
+              <a:buFont typeface="Arial" panose="020B0604020202020204" pitchFamily="34" charset="0"/>
+              <a:buNone/>
+              <a:defRPr sz="1600" kern="1200">
+                <a:solidFill>
+                  <a:schemeClr val="tx1"/>
+                </a:solidFill>
+                <a:latin typeface="+mn-lt"/>
+                <a:ea typeface="+mn-ea"/>
+                <a:cs typeface="+mn-cs"/>
+              </a:defRPr>
+            </a:lvl6pPr>
+            <a:lvl7pPr marL="2743200" indent="0" algn="ctr" defTabSz="914400" rtl="0" eaLnBrk="1" latinLnBrk="0" hangingPunct="1">
+              <a:lnSpc>
+                <a:spcPct val="90000"/>
+              </a:lnSpc>
+              <a:spcBef>
+                <a:spcPts val="500"/>
+              </a:spcBef>
+              <a:buFont typeface="Arial" panose="020B0604020202020204" pitchFamily="34" charset="0"/>
+              <a:buNone/>
+              <a:defRPr sz="1600" kern="1200">
+                <a:solidFill>
+                  <a:schemeClr val="tx1"/>
+                </a:solidFill>
+                <a:latin typeface="+mn-lt"/>
+                <a:ea typeface="+mn-ea"/>
+                <a:cs typeface="+mn-cs"/>
+              </a:defRPr>
+            </a:lvl7pPr>
+            <a:lvl8pPr marL="3200400" indent="0" algn="ctr" defTabSz="914400" rtl="0" eaLnBrk="1" latinLnBrk="0" hangingPunct="1">
+              <a:lnSpc>
+                <a:spcPct val="90000"/>
+              </a:lnSpc>
+              <a:spcBef>
+                <a:spcPts val="500"/>
+              </a:spcBef>
+              <a:buFont typeface="Arial" panose="020B0604020202020204" pitchFamily="34" charset="0"/>
+              <a:buNone/>
+              <a:defRPr sz="1600" kern="1200">
+                <a:solidFill>
+                  <a:schemeClr val="tx1"/>
+                </a:solidFill>
+                <a:latin typeface="+mn-lt"/>
+                <a:ea typeface="+mn-ea"/>
+                <a:cs typeface="+mn-cs"/>
+              </a:defRPr>
+            </a:lvl8pPr>
+            <a:lvl9pPr marL="3657600" indent="0" algn="ctr" defTabSz="914400" rtl="0" eaLnBrk="1" latinLnBrk="0" hangingPunct="1">
+              <a:lnSpc>
+                <a:spcPct val="90000"/>
+              </a:lnSpc>
+              <a:spcBef>
+                <a:spcPts val="500"/>
+              </a:spcBef>
+              <a:buFont typeface="Arial" panose="020B0604020202020204" pitchFamily="34" charset="0"/>
+              <a:buNone/>
+              <a:defRPr sz="1600" kern="1200">
+                <a:solidFill>
+                  <a:schemeClr val="tx1"/>
+                </a:solidFill>
+                <a:latin typeface="+mn-lt"/>
+                <a:ea typeface="+mn-ea"/>
+                <a:cs typeface="+mn-cs"/>
+              </a:defRPr>
+            </a:lvl9pPr>
+          </a:lstStyle>
+          <a:p>
+            <a:pPr algn="l">
               <a:buFont typeface="Wingdings" panose="05000000000000000000" pitchFamily="2" charset="2"/>
               <a:buChar char="Ø"/>
             </a:pPr>
             <a:r>
               <a:rPr lang="en-US" dirty="0">
                 <a:solidFill>
-                  <a:srgbClr val="C691E3"/>
+                  <a:srgbClr val="FFCCFF"/>
                 </a:solidFill>
                 <a:latin typeface="Berlin Sans FB" panose="020E0602020502020306" pitchFamily="34" charset="0"/>
               </a:rPr>
-              <a:t>Collection of Hate crime statistics and Anti-LGBTQ legislation passed within a year. </a:t>
-            </a:r>
-          </a:p>
-          <a:p>
-            <a:pPr>
+              <a:t>Correlate the number of anti-LGBTQ hate crimes with anti-</a:t>
+            </a:r>
+            <a:r>
+              <a:rPr lang="en-US" dirty="0" err="1">
+                <a:solidFill>
+                  <a:srgbClr val="FFCCFF"/>
+                </a:solidFill>
+                <a:latin typeface="Berlin Sans FB" panose="020E0602020502020306" pitchFamily="34" charset="0"/>
+              </a:rPr>
+              <a:t>lgbtq</a:t>
+            </a:r>
+            <a:r>
+              <a:rPr lang="en-US" dirty="0">
+                <a:solidFill>
+                  <a:srgbClr val="FFCCFF"/>
+                </a:solidFill>
+                <a:latin typeface="Berlin Sans FB" panose="020E0602020502020306" pitchFamily="34" charset="0"/>
+              </a:rPr>
+              <a:t> legislation to find if there is any correlation. </a:t>
+            </a:r>
+          </a:p>
+          <a:p>
+            <a:pPr algn="l">
               <a:buFont typeface="Wingdings" panose="05000000000000000000" pitchFamily="2" charset="2"/>
               <a:buChar char="Ø"/>
             </a:pPr>
             <a:r>
               <a:rPr lang="en-US" dirty="0">
                 <a:solidFill>
-                  <a:srgbClr val="C691E3"/>
+                  <a:srgbClr val="FFCCFF"/>
                 </a:solidFill>
                 <a:latin typeface="Berlin Sans FB" panose="020E0602020502020306" pitchFamily="34" charset="0"/>
               </a:rPr>
-              <a:t>Dataset 1: FBI’s hate crime tracker </a:t>
-            </a:r>
-          </a:p>
-          <a:p>
-            <a:pPr>
+              <a:t>Determine if certain types of states create this environment with high law counts and high crime counts.</a:t>
+            </a:r>
+          </a:p>
+          <a:p>
+            <a:pPr algn="l">
               <a:buFont typeface="Wingdings" panose="05000000000000000000" pitchFamily="2" charset="2"/>
               <a:buChar char="Ø"/>
             </a:pPr>
             <a:r>
               <a:rPr lang="en-US" dirty="0">
                 <a:solidFill>
-                  <a:srgbClr val="C691E3"/>
+                  <a:srgbClr val="FFCCFF"/>
                 </a:solidFill>
                 <a:latin typeface="Berlin Sans FB" panose="020E0602020502020306" pitchFamily="34" charset="0"/>
               </a:rPr>
-              <a:t>Dataset2: ACLU’s legislation tracker </a:t>
-            </a:r>
-          </a:p>
-          <a:p>
-            <a:pPr>
+              <a:t>Hypothesis: there is a correlation between anti-LGBTQ hate crimes and number of anti-LBGTQ legislation counts</a:t>
+            </a:r>
+          </a:p>
+          <a:p>
+            <a:pPr algn="l">
               <a:buFont typeface="Wingdings" panose="05000000000000000000" pitchFamily="2" charset="2"/>
               <a:buChar char="Ø"/>
             </a:pPr>
-            <a:r>
-              <a:rPr lang="en-US" dirty="0">
-                <a:solidFill>
-                  <a:srgbClr val="C691E3"/>
-                </a:solidFill>
-                <a:latin typeface="Berlin Sans FB" panose="020E0602020502020306" pitchFamily="34" charset="0"/>
-              </a:rPr>
-              <a:t>Models used:</a:t>
-            </a:r>
-          </a:p>
-          <a:p>
-            <a:pPr lvl="1">
-              <a:buFont typeface="Wingdings" panose="05000000000000000000" pitchFamily="2" charset="2"/>
-              <a:buChar char="Ø"/>
-            </a:pPr>
-            <a:r>
-              <a:rPr lang="en-US" dirty="0">
-                <a:solidFill>
-                  <a:srgbClr val="C691E3"/>
-                </a:solidFill>
-                <a:latin typeface="Berlin Sans FB" panose="020E0602020502020306" pitchFamily="34" charset="0"/>
-              </a:rPr>
-              <a:t>Regression</a:t>
-            </a:r>
-          </a:p>
-          <a:p>
-            <a:pPr lvl="1">
-              <a:buFont typeface="Wingdings" panose="05000000000000000000" pitchFamily="2" charset="2"/>
-              <a:buChar char="Ø"/>
-            </a:pPr>
-            <a:r>
-              <a:rPr lang="en-US" dirty="0">
-                <a:solidFill>
-                  <a:srgbClr val="C691E3"/>
-                </a:solidFill>
-                <a:latin typeface="Berlin Sans FB" panose="020E0602020502020306" pitchFamily="34" charset="0"/>
-              </a:rPr>
-              <a:t>Support Vector Machine </a:t>
-            </a:r>
-          </a:p>
-          <a:p>
-            <a:pPr lvl="1">
-              <a:buFont typeface="Wingdings" panose="05000000000000000000" pitchFamily="2" charset="2"/>
-              <a:buChar char="Ø"/>
-            </a:pPr>
-            <a:r>
-              <a:rPr lang="en-US" dirty="0">
-                <a:solidFill>
-                  <a:srgbClr val="C691E3"/>
-                </a:solidFill>
-                <a:latin typeface="Berlin Sans FB" panose="020E0602020502020306" pitchFamily="34" charset="0"/>
-              </a:rPr>
-              <a:t>Random Forest </a:t>
-            </a:r>
             <a:endParaRPr lang="en-US" dirty="0">
+              <a:solidFill>
+                <a:srgbClr val="FFCCFF"/>
+              </a:solidFill>
               <a:latin typeface="Berlin Sans FB" panose="020E0602020502020306" pitchFamily="34" charset="0"/>
             </a:endParaRPr>
           </a:p>
@@ -4052,12 +4485,12 @@
     </p:spTree>
     <p:extLst>
       <p:ext uri="{BB962C8B-B14F-4D97-AF65-F5344CB8AC3E}">
-        <p14:creationId xmlns:p14="http://schemas.microsoft.com/office/powerpoint/2010/main" val="3865565733"/>
+        <p14:creationId xmlns:p14="http://schemas.microsoft.com/office/powerpoint/2010/main" val="3370840036"/>
       </p:ext>
     </p:extLst>
   </p:cSld>
   <p:clrMapOvr>
-    <a:masterClrMapping/>
+    <a:overrideClrMapping bg1="dk1" tx1="lt1" bg2="dk2" tx2="lt2" accent1="accent1" accent2="accent2" accent3="accent3" accent4="accent4" accent5="accent5" accent6="accent6" hlink="hlink" folHlink="folHlink"/>
   </p:clrMapOvr>
 </p:sld>
 </file>
@@ -4079,12 +4512,42 @@
           <a:chExt cx="0" cy="0"/>
         </a:xfrm>
       </p:grpSpPr>
-      <p:sp>
-        <p:nvSpPr>
-          <p:cNvPr id="5" name="Rectangle 4">
-            <a:extLst>
-              <a:ext uri="{FF2B5EF4-FFF2-40B4-BE49-F238E27FC236}">
-                <a16:creationId xmlns:a16="http://schemas.microsoft.com/office/drawing/2014/main" id="{771DA35D-BC44-C942-F2D8-3C064EF717DA}"/>
+      <p:pic>
+        <p:nvPicPr>
+          <p:cNvPr id="5" name="Picture 4">
+            <a:extLst>
+              <a:ext uri="{FF2B5EF4-FFF2-40B4-BE49-F238E27FC236}">
+                <a16:creationId xmlns:a16="http://schemas.microsoft.com/office/drawing/2014/main" id="{55C8599C-EB7D-4E29-B5EE-BCA5762EED4D}"/>
+              </a:ext>
+            </a:extLst>
+          </p:cNvPr>
+          <p:cNvPicPr>
+            <a:picLocks noChangeAspect="1"/>
+          </p:cNvPicPr>
+          <p:nvPr/>
+        </p:nvPicPr>
+        <p:blipFill>
+          <a:blip r:embed="rId2"/>
+          <a:stretch>
+            <a:fillRect/>
+          </a:stretch>
+        </p:blipFill>
+        <p:spPr>
+          <a:xfrm>
+            <a:off x="0" y="0"/>
+            <a:ext cx="12192000" cy="6858000"/>
+          </a:xfrm>
+          <a:prstGeom prst="rect">
+            <a:avLst/>
+          </a:prstGeom>
+        </p:spPr>
+      </p:pic>
+      <p:sp>
+        <p:nvSpPr>
+          <p:cNvPr id="4" name="Rectangle 3">
+            <a:extLst>
+              <a:ext uri="{FF2B5EF4-FFF2-40B4-BE49-F238E27FC236}">
+                <a16:creationId xmlns:a16="http://schemas.microsoft.com/office/drawing/2014/main" id="{67504FBA-2B5B-0350-6255-63B40B991171}"/>
               </a:ext>
             </a:extLst>
           </p:cNvPr>
@@ -4101,7 +4564,7 @@
           </a:prstGeom>
           <a:solidFill>
             <a:schemeClr val="tx1">
-              <a:alpha val="80000"/>
+              <a:alpha val="79000"/>
             </a:schemeClr>
           </a:solidFill>
           <a:ln>
@@ -4133,10 +4596,901 @@
           </a:p>
         </p:txBody>
       </p:sp>
+      <p:sp>
+        <p:nvSpPr>
+          <p:cNvPr id="2" name="Title 1">
+            <a:extLst>
+              <a:ext uri="{FF2B5EF4-FFF2-40B4-BE49-F238E27FC236}">
+                <a16:creationId xmlns:a16="http://schemas.microsoft.com/office/drawing/2014/main" id="{8EADABEA-7C28-71BD-1075-75C272494165}"/>
+              </a:ext>
+            </a:extLst>
+          </p:cNvPr>
+          <p:cNvSpPr>
+            <a:spLocks noGrp="1"/>
+          </p:cNvSpPr>
+          <p:nvPr>
+            <p:ph type="title"/>
+          </p:nvPr>
+        </p:nvSpPr>
+        <p:spPr/>
+        <p:txBody>
+          <a:bodyPr/>
+          <a:lstStyle/>
+          <a:p>
+            <a:r>
+              <a:rPr lang="en-US" dirty="0">
+                <a:solidFill>
+                  <a:schemeClr val="bg1"/>
+                </a:solidFill>
+                <a:latin typeface="Berlin Sans FB" panose="020E0602020502020306" pitchFamily="34" charset="0"/>
+              </a:rPr>
+              <a:t>How this works / Datasets Used</a:t>
+            </a:r>
+          </a:p>
+        </p:txBody>
+      </p:sp>
+      <p:sp>
+        <p:nvSpPr>
+          <p:cNvPr id="3" name="Content Placeholder 2">
+            <a:extLst>
+              <a:ext uri="{FF2B5EF4-FFF2-40B4-BE49-F238E27FC236}">
+                <a16:creationId xmlns:a16="http://schemas.microsoft.com/office/drawing/2014/main" id="{D9D1D7DB-6207-F663-851B-321C8B59C71F}"/>
+              </a:ext>
+            </a:extLst>
+          </p:cNvPr>
+          <p:cNvSpPr>
+            <a:spLocks noGrp="1"/>
+          </p:cNvSpPr>
+          <p:nvPr>
+            <p:ph idx="1"/>
+          </p:nvPr>
+        </p:nvSpPr>
+        <p:spPr/>
+        <p:txBody>
+          <a:bodyPr>
+            <a:normAutofit fontScale="92500" lnSpcReduction="10000"/>
+          </a:bodyPr>
+          <a:lstStyle/>
+          <a:p>
+            <a:pPr>
+              <a:buFont typeface="Wingdings" panose="05000000000000000000" pitchFamily="2" charset="2"/>
+              <a:buChar char="Ø"/>
+            </a:pPr>
+            <a:r>
+              <a:rPr lang="en-US" dirty="0">
+                <a:solidFill>
+                  <a:srgbClr val="FFCCFF"/>
+                </a:solidFill>
+                <a:latin typeface="Berlin Sans FB" panose="020E0602020502020306" pitchFamily="34" charset="0"/>
+              </a:rPr>
+              <a:t>Collection of Hate crime statistics and Anti-LGBTQ legislation passed within a year. </a:t>
+            </a:r>
+          </a:p>
+          <a:p>
+            <a:pPr>
+              <a:buFont typeface="Wingdings" panose="05000000000000000000" pitchFamily="2" charset="2"/>
+              <a:buChar char="Ø"/>
+            </a:pPr>
+            <a:r>
+              <a:rPr lang="en-US" dirty="0">
+                <a:solidFill>
+                  <a:srgbClr val="FFCCFF"/>
+                </a:solidFill>
+                <a:latin typeface="Berlin Sans FB" panose="020E0602020502020306" pitchFamily="34" charset="0"/>
+              </a:rPr>
+              <a:t>Dataset 1: FBI’s hate crime tracker for 2021</a:t>
+            </a:r>
+          </a:p>
+          <a:p>
+            <a:pPr>
+              <a:buFont typeface="Wingdings" panose="05000000000000000000" pitchFamily="2" charset="2"/>
+              <a:buChar char="Ø"/>
+            </a:pPr>
+            <a:r>
+              <a:rPr lang="en-US" dirty="0">
+                <a:solidFill>
+                  <a:srgbClr val="FFCCFF"/>
+                </a:solidFill>
+                <a:latin typeface="Berlin Sans FB" panose="020E0602020502020306" pitchFamily="34" charset="0"/>
+              </a:rPr>
+              <a:t>Dataset2: ACLU’s legislation tracker for 2021</a:t>
+            </a:r>
+          </a:p>
+          <a:p>
+            <a:pPr>
+              <a:buFont typeface="Wingdings" panose="05000000000000000000" pitchFamily="2" charset="2"/>
+              <a:buChar char="Ø"/>
+            </a:pPr>
+            <a:r>
+              <a:rPr lang="en-US" dirty="0">
+                <a:solidFill>
+                  <a:srgbClr val="FFCCFF"/>
+                </a:solidFill>
+                <a:latin typeface="Berlin Sans FB" panose="020E0602020502020306" pitchFamily="34" charset="0"/>
+              </a:rPr>
+              <a:t>Dataset3: </a:t>
+            </a:r>
+            <a:r>
+              <a:rPr lang="en-US" dirty="0" err="1">
+                <a:solidFill>
+                  <a:srgbClr val="FFCCFF"/>
+                </a:solidFill>
+                <a:latin typeface="Berlin Sans FB" panose="020E0602020502020306" pitchFamily="34" charset="0"/>
+              </a:rPr>
+              <a:t>Ballotpedia’s</a:t>
+            </a:r>
+            <a:r>
+              <a:rPr lang="en-US" dirty="0">
+                <a:solidFill>
+                  <a:srgbClr val="FFCCFF"/>
+                </a:solidFill>
+                <a:latin typeface="Berlin Sans FB" panose="020E0602020502020306" pitchFamily="34" charset="0"/>
+              </a:rPr>
+              <a:t> Senate / House majority for 2020</a:t>
+            </a:r>
+          </a:p>
+          <a:p>
+            <a:pPr>
+              <a:buFont typeface="Wingdings" panose="05000000000000000000" pitchFamily="2" charset="2"/>
+              <a:buChar char="Ø"/>
+            </a:pPr>
+            <a:r>
+              <a:rPr lang="en-US" dirty="0">
+                <a:solidFill>
+                  <a:srgbClr val="FFCCFF"/>
+                </a:solidFill>
+                <a:latin typeface="Berlin Sans FB" panose="020E0602020502020306" pitchFamily="34" charset="0"/>
+              </a:rPr>
+              <a:t>Dataset4: Kaggle Dataset of US voters for 2020 presidential election and population</a:t>
+            </a:r>
+          </a:p>
+          <a:p>
+            <a:pPr>
+              <a:buFont typeface="Wingdings" panose="05000000000000000000" pitchFamily="2" charset="2"/>
+              <a:buChar char="Ø"/>
+            </a:pPr>
+            <a:r>
+              <a:rPr lang="en-US" dirty="0">
+                <a:solidFill>
+                  <a:srgbClr val="FFCCFF"/>
+                </a:solidFill>
+                <a:latin typeface="Berlin Sans FB" panose="020E0602020502020306" pitchFamily="34" charset="0"/>
+              </a:rPr>
+              <a:t>Models used:</a:t>
+            </a:r>
+          </a:p>
+          <a:p>
+            <a:pPr lvl="1">
+              <a:buFont typeface="Wingdings" panose="05000000000000000000" pitchFamily="2" charset="2"/>
+              <a:buChar char="Ø"/>
+            </a:pPr>
+            <a:r>
+              <a:rPr lang="en-US" dirty="0">
+                <a:solidFill>
+                  <a:srgbClr val="FFCCFF"/>
+                </a:solidFill>
+                <a:latin typeface="Berlin Sans FB" panose="020E0602020502020306" pitchFamily="34" charset="0"/>
+              </a:rPr>
+              <a:t>Regression</a:t>
+            </a:r>
+          </a:p>
+          <a:p>
+            <a:pPr lvl="1">
+              <a:buFont typeface="Wingdings" panose="05000000000000000000" pitchFamily="2" charset="2"/>
+              <a:buChar char="Ø"/>
+            </a:pPr>
+            <a:r>
+              <a:rPr lang="en-US" dirty="0">
+                <a:solidFill>
+                  <a:srgbClr val="FFCCFF"/>
+                </a:solidFill>
+                <a:latin typeface="Berlin Sans FB" panose="020E0602020502020306" pitchFamily="34" charset="0"/>
+              </a:rPr>
+              <a:t>Support Vector Machine </a:t>
+            </a:r>
+          </a:p>
+          <a:p>
+            <a:pPr lvl="1">
+              <a:buFont typeface="Wingdings" panose="05000000000000000000" pitchFamily="2" charset="2"/>
+              <a:buChar char="Ø"/>
+            </a:pPr>
+            <a:r>
+              <a:rPr lang="en-US" dirty="0">
+                <a:solidFill>
+                  <a:srgbClr val="FFCCFF"/>
+                </a:solidFill>
+                <a:latin typeface="Berlin Sans FB" panose="020E0602020502020306" pitchFamily="34" charset="0"/>
+              </a:rPr>
+              <a:t>Random Forest 	</a:t>
+            </a:r>
+          </a:p>
+        </p:txBody>
+      </p:sp>
     </p:spTree>
     <p:extLst>
       <p:ext uri="{BB962C8B-B14F-4D97-AF65-F5344CB8AC3E}">
-        <p14:creationId xmlns:p14="http://schemas.microsoft.com/office/powerpoint/2010/main" val="1449924063"/>
+        <p14:creationId xmlns:p14="http://schemas.microsoft.com/office/powerpoint/2010/main" val="3865565733"/>
+      </p:ext>
+    </p:extLst>
+  </p:cSld>
+  <p:clrMapOvr>
+    <a:masterClrMapping/>
+  </p:clrMapOvr>
+</p:sld>
+</file>
+
+<file path=ppt/slides/slide4.xml><?xml version="1.0" encoding="utf-8"?>
+<p:sld xmlns:a="http://schemas.openxmlformats.org/drawingml/2006/main" xmlns:r="http://schemas.openxmlformats.org/officeDocument/2006/relationships" xmlns:p="http://schemas.openxmlformats.org/presentationml/2006/main">
+  <p:cSld>
+    <p:spTree>
+      <p:nvGrpSpPr>
+        <p:cNvPr id="1" name=""/>
+        <p:cNvGrpSpPr/>
+        <p:nvPr/>
+      </p:nvGrpSpPr>
+      <p:grpSpPr>
+        <a:xfrm>
+          <a:off x="0" y="0"/>
+          <a:ext cx="0" cy="0"/>
+          <a:chOff x="0" y="0"/>
+          <a:chExt cx="0" cy="0"/>
+        </a:xfrm>
+      </p:grpSpPr>
+      <p:pic>
+        <p:nvPicPr>
+          <p:cNvPr id="5" name="Picture 4">
+            <a:extLst>
+              <a:ext uri="{FF2B5EF4-FFF2-40B4-BE49-F238E27FC236}">
+                <a16:creationId xmlns:a16="http://schemas.microsoft.com/office/drawing/2014/main" id="{55C8599C-EB7D-4E29-B5EE-BCA5762EED4D}"/>
+              </a:ext>
+            </a:extLst>
+          </p:cNvPr>
+          <p:cNvPicPr>
+            <a:picLocks noChangeAspect="1"/>
+          </p:cNvPicPr>
+          <p:nvPr/>
+        </p:nvPicPr>
+        <p:blipFill>
+          <a:blip r:embed="rId2"/>
+          <a:stretch>
+            <a:fillRect/>
+          </a:stretch>
+        </p:blipFill>
+        <p:spPr>
+          <a:xfrm>
+            <a:off x="0" y="0"/>
+            <a:ext cx="12192000" cy="6858000"/>
+          </a:xfrm>
+          <a:prstGeom prst="rect">
+            <a:avLst/>
+          </a:prstGeom>
+        </p:spPr>
+      </p:pic>
+      <p:sp>
+        <p:nvSpPr>
+          <p:cNvPr id="4" name="Rectangle 3">
+            <a:extLst>
+              <a:ext uri="{FF2B5EF4-FFF2-40B4-BE49-F238E27FC236}">
+                <a16:creationId xmlns:a16="http://schemas.microsoft.com/office/drawing/2014/main" id="{67504FBA-2B5B-0350-6255-63B40B991171}"/>
+              </a:ext>
+            </a:extLst>
+          </p:cNvPr>
+          <p:cNvSpPr/>
+          <p:nvPr/>
+        </p:nvSpPr>
+        <p:spPr>
+          <a:xfrm>
+            <a:off x="0" y="0"/>
+            <a:ext cx="12192000" cy="6858000"/>
+          </a:xfrm>
+          <a:prstGeom prst="rect">
+            <a:avLst/>
+          </a:prstGeom>
+          <a:solidFill>
+            <a:schemeClr val="tx1">
+              <a:alpha val="79000"/>
+            </a:schemeClr>
+          </a:solidFill>
+          <a:ln>
+            <a:noFill/>
+          </a:ln>
+        </p:spPr>
+        <p:style>
+          <a:lnRef idx="2">
+            <a:schemeClr val="accent1">
+              <a:shade val="50000"/>
+            </a:schemeClr>
+          </a:lnRef>
+          <a:fillRef idx="1">
+            <a:schemeClr val="accent1"/>
+          </a:fillRef>
+          <a:effectRef idx="0">
+            <a:schemeClr val="accent1"/>
+          </a:effectRef>
+          <a:fontRef idx="minor">
+            <a:schemeClr val="lt1"/>
+          </a:fontRef>
+        </p:style>
+        <p:txBody>
+          <a:bodyPr rtlCol="0" anchor="ctr"/>
+          <a:lstStyle/>
+          <a:p>
+            <a:pPr algn="ctr"/>
+            <a:endParaRPr lang="en-US" dirty="0"/>
+          </a:p>
+        </p:txBody>
+      </p:sp>
+      <p:sp>
+        <p:nvSpPr>
+          <p:cNvPr id="2" name="Title 1">
+            <a:extLst>
+              <a:ext uri="{FF2B5EF4-FFF2-40B4-BE49-F238E27FC236}">
+                <a16:creationId xmlns:a16="http://schemas.microsoft.com/office/drawing/2014/main" id="{8EADABEA-7C28-71BD-1075-75C272494165}"/>
+              </a:ext>
+            </a:extLst>
+          </p:cNvPr>
+          <p:cNvSpPr>
+            <a:spLocks noGrp="1"/>
+          </p:cNvSpPr>
+          <p:nvPr>
+            <p:ph type="title"/>
+          </p:nvPr>
+        </p:nvSpPr>
+        <p:spPr/>
+        <p:txBody>
+          <a:bodyPr/>
+          <a:lstStyle/>
+          <a:p>
+            <a:r>
+              <a:rPr lang="en-US" dirty="0">
+                <a:solidFill>
+                  <a:schemeClr val="bg1"/>
+                </a:solidFill>
+                <a:latin typeface="Berlin Sans FB" panose="020E0602020502020306" pitchFamily="34" charset="0"/>
+              </a:rPr>
+              <a:t>Contributions and Previous Studies</a:t>
+            </a:r>
+          </a:p>
+        </p:txBody>
+      </p:sp>
+      <p:sp>
+        <p:nvSpPr>
+          <p:cNvPr id="3" name="Content Placeholder 2">
+            <a:extLst>
+              <a:ext uri="{FF2B5EF4-FFF2-40B4-BE49-F238E27FC236}">
+                <a16:creationId xmlns:a16="http://schemas.microsoft.com/office/drawing/2014/main" id="{D9D1D7DB-6207-F663-851B-321C8B59C71F}"/>
+              </a:ext>
+            </a:extLst>
+          </p:cNvPr>
+          <p:cNvSpPr>
+            <a:spLocks noGrp="1"/>
+          </p:cNvSpPr>
+          <p:nvPr>
+            <p:ph idx="1"/>
+          </p:nvPr>
+        </p:nvSpPr>
+        <p:spPr/>
+        <p:txBody>
+          <a:bodyPr/>
+          <a:lstStyle/>
+          <a:p>
+            <a:pPr>
+              <a:buFont typeface="Wingdings" panose="05000000000000000000" pitchFamily="2" charset="2"/>
+              <a:buChar char="Ø"/>
+            </a:pPr>
+            <a:r>
+              <a:rPr lang="en-US" dirty="0">
+                <a:solidFill>
+                  <a:srgbClr val="FFCCFF"/>
+                </a:solidFill>
+                <a:latin typeface="Berlin Sans FB" panose="020E0602020502020306" pitchFamily="34" charset="0"/>
+              </a:rPr>
+              <a:t>Although this project would not have been possible with the American Civil Liberties Union (ACLU) on their work of tracking anti-LGBTQ legislation and the FBI’s Uniform Crime Reporting program (UCR), there have been no previous studies done on the correlation between the two. </a:t>
+            </a:r>
+          </a:p>
+          <a:p>
+            <a:pPr>
+              <a:buFont typeface="Wingdings" panose="05000000000000000000" pitchFamily="2" charset="2"/>
+              <a:buChar char="Ø"/>
+            </a:pPr>
+            <a:r>
+              <a:rPr lang="en-US" dirty="0">
+                <a:solidFill>
+                  <a:srgbClr val="FFCCFF"/>
+                </a:solidFill>
+                <a:latin typeface="Berlin Sans FB" panose="020E0602020502020306" pitchFamily="34" charset="0"/>
+              </a:rPr>
+              <a:t>This project’s purpose is to investigate whether or not these laws directly correlate to number of hate crimes or discrimination and determine if certain characteristics of states determine the number of crimes and legislation that have occurred.</a:t>
+            </a:r>
+          </a:p>
+        </p:txBody>
+      </p:sp>
+    </p:spTree>
+    <p:extLst>
+      <p:ext uri="{BB962C8B-B14F-4D97-AF65-F5344CB8AC3E}">
+        <p14:creationId xmlns:p14="http://schemas.microsoft.com/office/powerpoint/2010/main" val="54068256"/>
+      </p:ext>
+    </p:extLst>
+  </p:cSld>
+  <p:clrMapOvr>
+    <a:masterClrMapping/>
+  </p:clrMapOvr>
+</p:sld>
+</file>
+
+<file path=ppt/slides/slide5.xml><?xml version="1.0" encoding="utf-8"?>
+<p:sld xmlns:a="http://schemas.openxmlformats.org/drawingml/2006/main" xmlns:r="http://schemas.openxmlformats.org/officeDocument/2006/relationships" xmlns:p="http://schemas.openxmlformats.org/presentationml/2006/main">
+  <p:cSld>
+    <p:spTree>
+      <p:nvGrpSpPr>
+        <p:cNvPr id="1" name=""/>
+        <p:cNvGrpSpPr/>
+        <p:nvPr/>
+      </p:nvGrpSpPr>
+      <p:grpSpPr>
+        <a:xfrm>
+          <a:off x="0" y="0"/>
+          <a:ext cx="0" cy="0"/>
+          <a:chOff x="0" y="0"/>
+          <a:chExt cx="0" cy="0"/>
+        </a:xfrm>
+      </p:grpSpPr>
+      <p:sp>
+        <p:nvSpPr>
+          <p:cNvPr id="2" name="Title 1">
+            <a:extLst>
+              <a:ext uri="{FF2B5EF4-FFF2-40B4-BE49-F238E27FC236}">
+                <a16:creationId xmlns:a16="http://schemas.microsoft.com/office/drawing/2014/main" id="{234CAF5E-92FB-4308-AF96-FD63B8038F42}"/>
+              </a:ext>
+            </a:extLst>
+          </p:cNvPr>
+          <p:cNvSpPr>
+            <a:spLocks noGrp="1"/>
+          </p:cNvSpPr>
+          <p:nvPr>
+            <p:ph type="title"/>
+          </p:nvPr>
+        </p:nvSpPr>
+        <p:spPr/>
+        <p:txBody>
+          <a:bodyPr/>
+          <a:lstStyle/>
+          <a:p>
+            <a:r>
+              <a:rPr lang="en-US" dirty="0"/>
+              <a:t>Context </a:t>
+            </a:r>
+          </a:p>
+        </p:txBody>
+      </p:sp>
+      <p:pic>
+        <p:nvPicPr>
+          <p:cNvPr id="5" name="Content Placeholder 4">
+            <a:extLst>
+              <a:ext uri="{FF2B5EF4-FFF2-40B4-BE49-F238E27FC236}">
+                <a16:creationId xmlns:a16="http://schemas.microsoft.com/office/drawing/2014/main" id="{FE5DDBC8-421E-43D6-A2A4-A357631DF7A3}"/>
+              </a:ext>
+            </a:extLst>
+          </p:cNvPr>
+          <p:cNvPicPr>
+            <a:picLocks noGrp="1" noChangeAspect="1"/>
+          </p:cNvPicPr>
+          <p:nvPr>
+            <p:ph idx="1"/>
+          </p:nvPr>
+        </p:nvPicPr>
+        <p:blipFill>
+          <a:blip r:embed="rId2"/>
+          <a:stretch>
+            <a:fillRect/>
+          </a:stretch>
+        </p:blipFill>
+        <p:spPr>
+          <a:xfrm>
+            <a:off x="3537396" y="1847850"/>
+            <a:ext cx="5117207" cy="4351338"/>
+          </a:xfrm>
+          <a:prstGeom prst="rect">
+            <a:avLst/>
+          </a:prstGeom>
+        </p:spPr>
+      </p:pic>
+      <p:pic>
+        <p:nvPicPr>
+          <p:cNvPr id="4" name="Picture 3">
+            <a:extLst>
+              <a:ext uri="{FF2B5EF4-FFF2-40B4-BE49-F238E27FC236}">
+                <a16:creationId xmlns:a16="http://schemas.microsoft.com/office/drawing/2014/main" id="{9018ED5C-15DB-43A2-8BCA-F9FBC3BD1817}"/>
+              </a:ext>
+            </a:extLst>
+          </p:cNvPr>
+          <p:cNvPicPr>
+            <a:picLocks noChangeAspect="1"/>
+          </p:cNvPicPr>
+          <p:nvPr/>
+        </p:nvPicPr>
+        <p:blipFill>
+          <a:blip r:embed="rId3"/>
+          <a:stretch>
+            <a:fillRect/>
+          </a:stretch>
+        </p:blipFill>
+        <p:spPr>
+          <a:xfrm>
+            <a:off x="468478" y="1903836"/>
+            <a:ext cx="11107700" cy="4991797"/>
+          </a:xfrm>
+          <a:prstGeom prst="rect">
+            <a:avLst/>
+          </a:prstGeom>
+        </p:spPr>
+      </p:pic>
+    </p:spTree>
+    <p:extLst>
+      <p:ext uri="{BB962C8B-B14F-4D97-AF65-F5344CB8AC3E}">
+        <p14:creationId xmlns:p14="http://schemas.microsoft.com/office/powerpoint/2010/main" val="2404554408"/>
+      </p:ext>
+    </p:extLst>
+  </p:cSld>
+  <p:clrMapOvr>
+    <a:masterClrMapping/>
+  </p:clrMapOvr>
+</p:sld>
+</file>
+
+<file path=ppt/slides/slide6.xml><?xml version="1.0" encoding="utf-8"?>
+<p:sld xmlns:a="http://schemas.openxmlformats.org/drawingml/2006/main" xmlns:r="http://schemas.openxmlformats.org/officeDocument/2006/relationships" xmlns:p="http://schemas.openxmlformats.org/presentationml/2006/main">
+  <p:cSld>
+    <p:spTree>
+      <p:nvGrpSpPr>
+        <p:cNvPr id="1" name=""/>
+        <p:cNvGrpSpPr/>
+        <p:nvPr/>
+      </p:nvGrpSpPr>
+      <p:grpSpPr>
+        <a:xfrm>
+          <a:off x="0" y="0"/>
+          <a:ext cx="0" cy="0"/>
+          <a:chOff x="0" y="0"/>
+          <a:chExt cx="0" cy="0"/>
+        </a:xfrm>
+      </p:grpSpPr>
+      <p:sp>
+        <p:nvSpPr>
+          <p:cNvPr id="2" name="Title 1">
+            <a:extLst>
+              <a:ext uri="{FF2B5EF4-FFF2-40B4-BE49-F238E27FC236}">
+                <a16:creationId xmlns:a16="http://schemas.microsoft.com/office/drawing/2014/main" id="{3449A611-34CF-480E-8B96-E414309111DA}"/>
+              </a:ext>
+            </a:extLst>
+          </p:cNvPr>
+          <p:cNvSpPr>
+            <a:spLocks noGrp="1"/>
+          </p:cNvSpPr>
+          <p:nvPr>
+            <p:ph type="title"/>
+          </p:nvPr>
+        </p:nvSpPr>
+        <p:spPr/>
+        <p:txBody>
+          <a:bodyPr/>
+          <a:lstStyle/>
+          <a:p>
+            <a:r>
+              <a:rPr lang="en-US" dirty="0"/>
+              <a:t>Florida Senate Bill 254</a:t>
+            </a:r>
+          </a:p>
+        </p:txBody>
+      </p:sp>
+      <p:sp>
+        <p:nvSpPr>
+          <p:cNvPr id="3" name="Content Placeholder 2">
+            <a:extLst>
+              <a:ext uri="{FF2B5EF4-FFF2-40B4-BE49-F238E27FC236}">
+                <a16:creationId xmlns:a16="http://schemas.microsoft.com/office/drawing/2014/main" id="{286E0F2E-918C-40C9-BBEB-C1A434F72AA8}"/>
+              </a:ext>
+            </a:extLst>
+          </p:cNvPr>
+          <p:cNvSpPr>
+            <a:spLocks noGrp="1"/>
+          </p:cNvSpPr>
+          <p:nvPr>
+            <p:ph idx="1"/>
+          </p:nvPr>
+        </p:nvSpPr>
+        <p:spPr/>
+        <p:txBody>
+          <a:bodyPr/>
+          <a:lstStyle/>
+          <a:p>
+            <a:endParaRPr lang="en-US"/>
+          </a:p>
+        </p:txBody>
+      </p:sp>
+      <p:pic>
+        <p:nvPicPr>
+          <p:cNvPr id="4" name="Picture 3">
+            <a:extLst>
+              <a:ext uri="{FF2B5EF4-FFF2-40B4-BE49-F238E27FC236}">
+                <a16:creationId xmlns:a16="http://schemas.microsoft.com/office/drawing/2014/main" id="{7A318758-54E7-45B2-95D1-3C7F20930FB9}"/>
+              </a:ext>
+            </a:extLst>
+          </p:cNvPr>
+          <p:cNvPicPr>
+            <a:picLocks noChangeAspect="1"/>
+          </p:cNvPicPr>
+          <p:nvPr/>
+        </p:nvPicPr>
+        <p:blipFill>
+          <a:blip r:embed="rId2"/>
+          <a:stretch>
+            <a:fillRect/>
+          </a:stretch>
+        </p:blipFill>
+        <p:spPr>
+          <a:xfrm>
+            <a:off x="1301262" y="1904513"/>
+            <a:ext cx="8034196" cy="2920075"/>
+          </a:xfrm>
+          <a:prstGeom prst="rect">
+            <a:avLst/>
+          </a:prstGeom>
+        </p:spPr>
+      </p:pic>
+    </p:spTree>
+    <p:extLst>
+      <p:ext uri="{BB962C8B-B14F-4D97-AF65-F5344CB8AC3E}">
+        <p14:creationId xmlns:p14="http://schemas.microsoft.com/office/powerpoint/2010/main" val="1265114706"/>
+      </p:ext>
+    </p:extLst>
+  </p:cSld>
+  <p:clrMapOvr>
+    <a:masterClrMapping/>
+  </p:clrMapOvr>
+</p:sld>
+</file>
+
+<file path=ppt/slides/slide7.xml><?xml version="1.0" encoding="utf-8"?>
+<p:sld xmlns:a="http://schemas.openxmlformats.org/drawingml/2006/main" xmlns:r="http://schemas.openxmlformats.org/officeDocument/2006/relationships" xmlns:p="http://schemas.openxmlformats.org/presentationml/2006/main">
+  <p:cSld>
+    <p:spTree>
+      <p:nvGrpSpPr>
+        <p:cNvPr id="1" name=""/>
+        <p:cNvGrpSpPr/>
+        <p:nvPr/>
+      </p:nvGrpSpPr>
+      <p:grpSpPr>
+        <a:xfrm>
+          <a:off x="0" y="0"/>
+          <a:ext cx="0" cy="0"/>
+          <a:chOff x="0" y="0"/>
+          <a:chExt cx="0" cy="0"/>
+        </a:xfrm>
+      </p:grpSpPr>
+      <p:sp>
+        <p:nvSpPr>
+          <p:cNvPr id="7" name="Title 6">
+            <a:extLst>
+              <a:ext uri="{FF2B5EF4-FFF2-40B4-BE49-F238E27FC236}">
+                <a16:creationId xmlns:a16="http://schemas.microsoft.com/office/drawing/2014/main" id="{4BE4B7F8-4F69-4CCD-B69E-25776AB7893C}"/>
+              </a:ext>
+            </a:extLst>
+          </p:cNvPr>
+          <p:cNvSpPr>
+            <a:spLocks noGrp="1"/>
+          </p:cNvSpPr>
+          <p:nvPr>
+            <p:ph type="title"/>
+          </p:nvPr>
+        </p:nvSpPr>
+        <p:spPr/>
+        <p:txBody>
+          <a:bodyPr/>
+          <a:lstStyle/>
+          <a:p>
+            <a:r>
+              <a:rPr lang="en-US" dirty="0"/>
+              <a:t>analysis</a:t>
+            </a:r>
+          </a:p>
+        </p:txBody>
+      </p:sp>
+      <p:sp>
+        <p:nvSpPr>
+          <p:cNvPr id="9" name="Content Placeholder 8">
+            <a:extLst>
+              <a:ext uri="{FF2B5EF4-FFF2-40B4-BE49-F238E27FC236}">
+                <a16:creationId xmlns:a16="http://schemas.microsoft.com/office/drawing/2014/main" id="{6806B6D7-868A-49FB-BB37-61BCEFCA5220}"/>
+              </a:ext>
+            </a:extLst>
+          </p:cNvPr>
+          <p:cNvSpPr>
+            <a:spLocks noGrp="1"/>
+          </p:cNvSpPr>
+          <p:nvPr>
+            <p:ph idx="1"/>
+          </p:nvPr>
+        </p:nvSpPr>
+        <p:spPr/>
+        <p:txBody>
+          <a:bodyPr/>
+          <a:lstStyle/>
+          <a:p>
+            <a:endParaRPr lang="en-US"/>
+          </a:p>
+        </p:txBody>
+      </p:sp>
+    </p:spTree>
+    <p:extLst>
+      <p:ext uri="{BB962C8B-B14F-4D97-AF65-F5344CB8AC3E}">
+        <p14:creationId xmlns:p14="http://schemas.microsoft.com/office/powerpoint/2010/main" val="1664026506"/>
+      </p:ext>
+    </p:extLst>
+  </p:cSld>
+  <p:clrMapOvr>
+    <a:masterClrMapping/>
+  </p:clrMapOvr>
+</p:sld>
+</file>
+
+<file path=ppt/slides/slide8.xml><?xml version="1.0" encoding="utf-8"?>
+<p:sld xmlns:a="http://schemas.openxmlformats.org/drawingml/2006/main" xmlns:r="http://schemas.openxmlformats.org/officeDocument/2006/relationships" xmlns:p="http://schemas.openxmlformats.org/presentationml/2006/main">
+  <p:cSld>
+    <p:spTree>
+      <p:nvGrpSpPr>
+        <p:cNvPr id="1" name=""/>
+        <p:cNvGrpSpPr/>
+        <p:nvPr/>
+      </p:nvGrpSpPr>
+      <p:grpSpPr>
+        <a:xfrm>
+          <a:off x="0" y="0"/>
+          <a:ext cx="0" cy="0"/>
+          <a:chOff x="0" y="0"/>
+          <a:chExt cx="0" cy="0"/>
+        </a:xfrm>
+      </p:grpSpPr>
+      <p:sp>
+        <p:nvSpPr>
+          <p:cNvPr id="2" name="Title 1">
+            <a:extLst>
+              <a:ext uri="{FF2B5EF4-FFF2-40B4-BE49-F238E27FC236}">
+                <a16:creationId xmlns:a16="http://schemas.microsoft.com/office/drawing/2014/main" id="{AD55CA6E-7789-44CC-A373-7EA67F0C676D}"/>
+              </a:ext>
+            </a:extLst>
+          </p:cNvPr>
+          <p:cNvSpPr>
+            <a:spLocks noGrp="1"/>
+          </p:cNvSpPr>
+          <p:nvPr>
+            <p:ph type="title"/>
+          </p:nvPr>
+        </p:nvSpPr>
+        <p:spPr/>
+        <p:txBody>
+          <a:bodyPr/>
+          <a:lstStyle/>
+          <a:p>
+            <a:r>
+              <a:rPr lang="en-US" dirty="0"/>
+              <a:t>Struggles and road blocks</a:t>
+            </a:r>
+          </a:p>
+        </p:txBody>
+      </p:sp>
+      <p:sp>
+        <p:nvSpPr>
+          <p:cNvPr id="3" name="Content Placeholder 2">
+            <a:extLst>
+              <a:ext uri="{FF2B5EF4-FFF2-40B4-BE49-F238E27FC236}">
+                <a16:creationId xmlns:a16="http://schemas.microsoft.com/office/drawing/2014/main" id="{484F6B2F-CBE2-4251-AFFC-4F7EB26D8B8B}"/>
+              </a:ext>
+            </a:extLst>
+          </p:cNvPr>
+          <p:cNvSpPr>
+            <a:spLocks noGrp="1"/>
+          </p:cNvSpPr>
+          <p:nvPr>
+            <p:ph idx="1"/>
+          </p:nvPr>
+        </p:nvSpPr>
+        <p:spPr/>
+        <p:txBody>
+          <a:bodyPr/>
+          <a:lstStyle/>
+          <a:p>
+            <a:endParaRPr lang="en-US"/>
+          </a:p>
+        </p:txBody>
+      </p:sp>
+    </p:spTree>
+    <p:extLst>
+      <p:ext uri="{BB962C8B-B14F-4D97-AF65-F5344CB8AC3E}">
+        <p14:creationId xmlns:p14="http://schemas.microsoft.com/office/powerpoint/2010/main" val="1099865589"/>
+      </p:ext>
+    </p:extLst>
+  </p:cSld>
+  <p:clrMapOvr>
+    <a:masterClrMapping/>
+  </p:clrMapOvr>
+</p:sld>
+</file>
+
+<file path=ppt/slides/slide9.xml><?xml version="1.0" encoding="utf-8"?>
+<p:sld xmlns:a="http://schemas.openxmlformats.org/drawingml/2006/main" xmlns:r="http://schemas.openxmlformats.org/officeDocument/2006/relationships" xmlns:p="http://schemas.openxmlformats.org/presentationml/2006/main">
+  <p:cSld>
+    <p:spTree>
+      <p:nvGrpSpPr>
+        <p:cNvPr id="1" name=""/>
+        <p:cNvGrpSpPr/>
+        <p:nvPr/>
+      </p:nvGrpSpPr>
+      <p:grpSpPr>
+        <a:xfrm>
+          <a:off x="0" y="0"/>
+          <a:ext cx="0" cy="0"/>
+          <a:chOff x="0" y="0"/>
+          <a:chExt cx="0" cy="0"/>
+        </a:xfrm>
+      </p:grpSpPr>
+      <p:sp>
+        <p:nvSpPr>
+          <p:cNvPr id="2" name="Title 1">
+            <a:extLst>
+              <a:ext uri="{FF2B5EF4-FFF2-40B4-BE49-F238E27FC236}">
+                <a16:creationId xmlns:a16="http://schemas.microsoft.com/office/drawing/2014/main" id="{932E14A5-BDE2-46BD-B68B-4AEBD6FCE26D}"/>
+              </a:ext>
+            </a:extLst>
+          </p:cNvPr>
+          <p:cNvSpPr>
+            <a:spLocks noGrp="1"/>
+          </p:cNvSpPr>
+          <p:nvPr>
+            <p:ph type="title"/>
+          </p:nvPr>
+        </p:nvSpPr>
+        <p:spPr/>
+        <p:txBody>
+          <a:bodyPr/>
+          <a:lstStyle/>
+          <a:p>
+            <a:r>
+              <a:rPr lang="en-US" dirty="0"/>
+              <a:t>conclusion</a:t>
+            </a:r>
+          </a:p>
+        </p:txBody>
+      </p:sp>
+      <p:sp>
+        <p:nvSpPr>
+          <p:cNvPr id="3" name="Content Placeholder 2">
+            <a:extLst>
+              <a:ext uri="{FF2B5EF4-FFF2-40B4-BE49-F238E27FC236}">
+                <a16:creationId xmlns:a16="http://schemas.microsoft.com/office/drawing/2014/main" id="{E9092917-13C7-4BF7-9637-EF17C1589EE0}"/>
+              </a:ext>
+            </a:extLst>
+          </p:cNvPr>
+          <p:cNvSpPr>
+            <a:spLocks noGrp="1"/>
+          </p:cNvSpPr>
+          <p:nvPr>
+            <p:ph idx="1"/>
+          </p:nvPr>
+        </p:nvSpPr>
+        <p:spPr/>
+        <p:txBody>
+          <a:bodyPr/>
+          <a:lstStyle/>
+          <a:p>
+            <a:endParaRPr lang="en-US"/>
+          </a:p>
+        </p:txBody>
+      </p:sp>
+    </p:spTree>
+    <p:extLst>
+      <p:ext uri="{BB962C8B-B14F-4D97-AF65-F5344CB8AC3E}">
+        <p14:creationId xmlns:p14="http://schemas.microsoft.com/office/powerpoint/2010/main" val="3581126649"/>
       </p:ext>
     </p:extLst>
   </p:cSld>
